--- a/Garbage Collector persent.pptx
+++ b/Garbage Collector persent.pptx
@@ -8,19 +8,34 @@
     <p:sldId id="256" r:id="rId2"/>
     <p:sldId id="257" r:id="rId3"/>
     <p:sldId id="271" r:id="rId4"/>
-    <p:sldId id="266" r:id="rId5"/>
-    <p:sldId id="267" r:id="rId6"/>
-    <p:sldId id="259" r:id="rId7"/>
-    <p:sldId id="258" r:id="rId8"/>
-    <p:sldId id="264" r:id="rId9"/>
-    <p:sldId id="265" r:id="rId10"/>
-    <p:sldId id="260" r:id="rId11"/>
-    <p:sldId id="261" r:id="rId12"/>
-    <p:sldId id="262" r:id="rId13"/>
-    <p:sldId id="263" r:id="rId14"/>
-    <p:sldId id="268" r:id="rId15"/>
-    <p:sldId id="269" r:id="rId16"/>
-    <p:sldId id="270" r:id="rId17"/>
+    <p:sldId id="259" r:id="rId5"/>
+    <p:sldId id="258" r:id="rId6"/>
+    <p:sldId id="272" r:id="rId7"/>
+    <p:sldId id="264" r:id="rId8"/>
+    <p:sldId id="265" r:id="rId9"/>
+    <p:sldId id="273" r:id="rId10"/>
+    <p:sldId id="266" r:id="rId11"/>
+    <p:sldId id="267" r:id="rId12"/>
+    <p:sldId id="286" r:id="rId13"/>
+    <p:sldId id="278" r:id="rId14"/>
+    <p:sldId id="277" r:id="rId15"/>
+    <p:sldId id="260" r:id="rId16"/>
+    <p:sldId id="282" r:id="rId17"/>
+    <p:sldId id="275" r:id="rId18"/>
+    <p:sldId id="283" r:id="rId19"/>
+    <p:sldId id="274" r:id="rId20"/>
+    <p:sldId id="285" r:id="rId21"/>
+    <p:sldId id="281" r:id="rId22"/>
+    <p:sldId id="261" r:id="rId23"/>
+    <p:sldId id="262" r:id="rId24"/>
+    <p:sldId id="263" r:id="rId25"/>
+    <p:sldId id="276" r:id="rId26"/>
+    <p:sldId id="284" r:id="rId27"/>
+    <p:sldId id="268" r:id="rId28"/>
+    <p:sldId id="269" r:id="rId29"/>
+    <p:sldId id="270" r:id="rId30"/>
+    <p:sldId id="279" r:id="rId31"/>
+    <p:sldId id="280" r:id="rId32"/>
   </p:sldIdLst>
   <p:sldSz cx="9144000" cy="6858000" type="screen4x3"/>
   <p:notesSz cx="6858000" cy="9144000"/>
@@ -3166,8 +3181,64 @@
           <a:lstStyle/>
           <a:p>
             <a:r>
-              <a:rPr lang="en-US" altLang="zh-CN" dirty="0" smtClean="0"/>
-              <a:t>GC in </a:t>
+              <a:rPr lang="zh-CN" altLang="en-US" dirty="0" smtClean="0"/>
+              <a:t>分代假说</a:t>
+            </a:r>
+            <a:endParaRPr lang="zh-CN" altLang="en-US" dirty="0"/>
+          </a:p>
+        </p:txBody>
+      </p:sp>
+      <p:sp>
+        <p:nvSpPr>
+          <p:cNvPr id="3" name="内容占位符 2"/>
+          <p:cNvSpPr>
+            <a:spLocks noGrp="1"/>
+          </p:cNvSpPr>
+          <p:nvPr>
+            <p:ph idx="1"/>
+          </p:nvPr>
+        </p:nvSpPr>
+        <p:spPr/>
+        <p:txBody>
+          <a:bodyPr/>
+          <a:lstStyle/>
+          <a:p>
+            <a:r>
+              <a:rPr lang="zh-CN" altLang="en-US" dirty="0" smtClean="0"/>
+              <a:t>弱分代假说：大多数对象</a:t>
+            </a:r>
+            <a:r>
+              <a:rPr lang="zh-CN" altLang="en-US" dirty="0" smtClean="0"/>
+              <a:t>都在年轻时死亡</a:t>
+            </a:r>
+            <a:endParaRPr lang="en-US" altLang="zh-CN" dirty="0"/>
+          </a:p>
+          <a:p>
+            <a:r>
+              <a:rPr lang="zh-CN" altLang="en-US" dirty="0" smtClean="0"/>
+              <a:t>强</a:t>
+            </a:r>
+            <a:r>
+              <a:rPr lang="zh-CN" altLang="en-US" dirty="0" smtClean="0"/>
+              <a:t>分代假说</a:t>
+            </a:r>
+            <a:r>
+              <a:rPr lang="zh-CN" altLang="en-US" dirty="0" smtClean="0"/>
+              <a:t>：越老的对象越不容易死亡</a:t>
+            </a:r>
+            <a:endParaRPr lang="en-US" altLang="zh-CN" dirty="0" smtClean="0"/>
+          </a:p>
+          <a:p>
+            <a:pPr marL="0" indent="0">
+              <a:buNone/>
+            </a:pPr>
+            <a:r>
+              <a:rPr lang="en-US" altLang="zh-CN" dirty="0"/>
+              <a:t>	</a:t>
+            </a:r>
+            <a:r>
+              <a:rPr lang="en-US" altLang="zh-CN" dirty="0" smtClean="0"/>
+              <a:t>            </a:t>
             </a:r>
             <a:r>
               <a:rPr lang="en-US" altLang="zh-CN" dirty="0" err="1" smtClean="0"/>
@@ -3175,124 +3246,42 @@
             </a:r>
             <a:r>
               <a:rPr lang="en-US" altLang="zh-CN" dirty="0" smtClean="0"/>
-              <a:t> VM</a:t>
+              <a:t> VM Heap</a:t>
             </a:r>
             <a:endParaRPr lang="zh-CN" altLang="en-US" dirty="0"/>
           </a:p>
         </p:txBody>
       </p:sp>
-      <p:sp>
-        <p:nvSpPr>
-          <p:cNvPr id="3" name="内容占位符 2"/>
-          <p:cNvSpPr>
-            <a:spLocks noGrp="1"/>
-          </p:cNvSpPr>
-          <p:nvPr>
-            <p:ph idx="1"/>
-          </p:nvPr>
-        </p:nvSpPr>
-        <p:spPr/>
-        <p:txBody>
-          <a:bodyPr>
-            <a:normAutofit fontScale="85000" lnSpcReduction="20000"/>
-          </a:bodyPr>
-          <a:lstStyle/>
-          <a:p>
-            <a:r>
-              <a:rPr lang="en-US" altLang="zh-CN" dirty="0" smtClean="0"/>
-              <a:t>Serial</a:t>
-            </a:r>
-          </a:p>
-          <a:p>
-            <a:pPr lvl="1"/>
-            <a:r>
-              <a:rPr lang="en-US" altLang="zh-CN" dirty="0" err="1" smtClean="0"/>
-              <a:t>DefNew</a:t>
-            </a:r>
-            <a:endParaRPr lang="en-US" altLang="zh-CN" dirty="0" smtClean="0"/>
-          </a:p>
-          <a:p>
-            <a:pPr lvl="1"/>
-            <a:r>
-              <a:rPr lang="en-US" altLang="zh-CN" dirty="0" smtClean="0"/>
-              <a:t>Serial Old</a:t>
-            </a:r>
-          </a:p>
-          <a:p>
-            <a:r>
-              <a:rPr lang="en-US" altLang="zh-CN" dirty="0" smtClean="0"/>
-              <a:t>Parallel</a:t>
-            </a:r>
-          </a:p>
-          <a:p>
-            <a:pPr lvl="1"/>
-            <a:r>
-              <a:rPr lang="en-US" altLang="zh-CN" dirty="0" err="1" smtClean="0"/>
-              <a:t>ParNew</a:t>
-            </a:r>
-            <a:endParaRPr lang="en-US" altLang="zh-CN" dirty="0" smtClean="0"/>
-          </a:p>
-          <a:p>
-            <a:pPr lvl="1"/>
-            <a:r>
-              <a:rPr lang="en-US" altLang="zh-CN" dirty="0" smtClean="0"/>
-              <a:t>PS (</a:t>
-            </a:r>
-            <a:r>
-              <a:rPr lang="en-US" altLang="zh-CN" dirty="0" err="1" smtClean="0"/>
-              <a:t>ThoughtPut</a:t>
-            </a:r>
-            <a:r>
-              <a:rPr lang="en-US" altLang="zh-CN" dirty="0" smtClean="0"/>
-              <a:t> </a:t>
-            </a:r>
-            <a:r>
-              <a:rPr lang="en-US" altLang="zh-CN" dirty="0" err="1" smtClean="0"/>
-              <a:t>gc</a:t>
-            </a:r>
-            <a:r>
-              <a:rPr lang="en-US" altLang="zh-CN" dirty="0" smtClean="0"/>
-              <a:t>) + lots features</a:t>
-            </a:r>
-          </a:p>
-          <a:p>
-            <a:r>
-              <a:rPr lang="en-US" altLang="zh-CN" dirty="0" smtClean="0"/>
-              <a:t>CMS(parallel + concurrent.ps : concurrent always parallel)</a:t>
-            </a:r>
-          </a:p>
-          <a:p>
-            <a:pPr lvl="1"/>
-            <a:r>
-              <a:rPr lang="en-US" altLang="zh-CN" dirty="0" smtClean="0"/>
-              <a:t>Mostly Concurrent Mark-sweep </a:t>
-            </a:r>
-            <a:r>
-              <a:rPr lang="en-US" altLang="zh-CN" dirty="0" err="1" smtClean="0"/>
-              <a:t>gc</a:t>
-            </a:r>
-            <a:endParaRPr lang="en-US" altLang="zh-CN" dirty="0" smtClean="0"/>
-          </a:p>
-          <a:p>
-            <a:r>
-              <a:rPr lang="en-US" altLang="zh-CN" dirty="0" smtClean="0"/>
-              <a:t>G1</a:t>
-            </a:r>
-          </a:p>
-          <a:p>
-            <a:pPr lvl="1"/>
-            <a:r>
-              <a:rPr lang="en-US" altLang="zh-CN" dirty="0" smtClean="0"/>
-              <a:t>Concurrent Parallel Mark-Sweep-Compact </a:t>
-            </a:r>
-            <a:r>
-              <a:rPr lang="en-US" altLang="zh-CN" dirty="0" err="1" smtClean="0"/>
-              <a:t>gc</a:t>
-            </a:r>
-            <a:endParaRPr lang="zh-CN" altLang="en-US" dirty="0"/>
-          </a:p>
-        </p:txBody>
-      </p:sp>
+      <p:pic>
+        <p:nvPicPr>
+          <p:cNvPr id="4" name="图片 3"/>
+          <p:cNvPicPr>
+            <a:picLocks noChangeAspect="1"/>
+          </p:cNvPicPr>
+          <p:nvPr/>
+        </p:nvPicPr>
+        <p:blipFill>
+          <a:blip r:embed="rId2">
+            <a:extLst>
+              <a:ext uri="{28A0092B-C50C-407E-A947-70E740481C1C}">
+                <a14:useLocalDpi xmlns:a14="http://schemas.microsoft.com/office/drawing/2010/main" val="0"/>
+              </a:ext>
+            </a:extLst>
+          </a:blip>
+          <a:stretch>
+            <a:fillRect/>
+          </a:stretch>
+        </p:blipFill>
+        <p:spPr>
+          <a:xfrm>
+            <a:off x="1835696" y="3429000"/>
+            <a:ext cx="4872073" cy="3145262"/>
+          </a:xfrm>
+          <a:prstGeom prst="rect">
+            <a:avLst/>
+          </a:prstGeom>
+        </p:spPr>
+      </p:pic>
     </p:spTree>
   </p:cSld>
   <p:clrMapOvr>
@@ -3334,16 +3323,12 @@
           <a:lstStyle/>
           <a:p>
             <a:r>
-              <a:rPr lang="en-US" altLang="zh-CN" dirty="0" smtClean="0"/>
-              <a:t>GC in </a:t>
-            </a:r>
-            <a:r>
-              <a:rPr lang="en-US" altLang="zh-CN" dirty="0" err="1" smtClean="0"/>
-              <a:t>JRockit</a:t>
-            </a:r>
-            <a:r>
-              <a:rPr lang="en-US" altLang="zh-CN" dirty="0" smtClean="0"/>
-              <a:t> VM</a:t>
+              <a:rPr lang="zh-CN" altLang="en-US" dirty="0" smtClean="0"/>
+              <a:t>分</a:t>
+            </a:r>
+            <a:r>
+              <a:rPr lang="zh-CN" altLang="en-US" dirty="0" smtClean="0"/>
+              <a:t>代的理由</a:t>
             </a:r>
             <a:endParaRPr lang="zh-CN" altLang="en-US" dirty="0"/>
           </a:p>
@@ -3365,16 +3350,37 @@
           <a:lstStyle/>
           <a:p>
             <a:r>
-              <a:rPr lang="en-US" altLang="zh-CN" dirty="0" smtClean="0"/>
-              <a:t>Dynamic Garbage Collector</a:t>
-            </a:r>
-          </a:p>
-          <a:p>
-            <a:pPr lvl="1"/>
-            <a:r>
-              <a:rPr lang="en-US" altLang="zh-CN" dirty="0" smtClean="0"/>
-              <a:t>Auto select as profile guide</a:t>
-            </a:r>
+              <a:rPr lang="zh-CN" altLang="en-US" dirty="0" smtClean="0"/>
+              <a:t>对象大小</a:t>
+            </a:r>
+            <a:endParaRPr lang="en-US" altLang="zh-CN" dirty="0" smtClean="0"/>
+          </a:p>
+          <a:p>
+            <a:r>
+              <a:rPr lang="zh-CN" altLang="en-US" dirty="0" smtClean="0"/>
+              <a:t>对象生存时</a:t>
+            </a:r>
+            <a:r>
+              <a:rPr lang="zh-CN" altLang="en-US" dirty="0" smtClean="0"/>
+              <a:t>间</a:t>
+            </a:r>
+            <a:endParaRPr lang="en-US" altLang="zh-CN" dirty="0" smtClean="0"/>
+          </a:p>
+          <a:p>
+            <a:r>
+              <a:rPr lang="zh-CN" altLang="en-US" dirty="0" smtClean="0"/>
+              <a:t>空间</a:t>
+            </a:r>
+            <a:endParaRPr lang="en-US" altLang="zh-CN" dirty="0" smtClean="0"/>
+          </a:p>
+          <a:p>
+            <a:r>
+              <a:rPr lang="zh-CN" altLang="en-US" dirty="0" smtClean="0"/>
+              <a:t>缩短暂停时间</a:t>
+            </a:r>
+            <a:endParaRPr lang="en-US" altLang="zh-CN" dirty="0" smtClean="0"/>
+          </a:p>
+          <a:p>
             <a:endParaRPr lang="zh-CN" altLang="en-US" dirty="0"/>
           </a:p>
         </p:txBody>
@@ -3421,7 +3427,7 @@
           <a:p>
             <a:r>
               <a:rPr lang="en-US" altLang="zh-CN" dirty="0" smtClean="0"/>
-              <a:t>GC in IBM J9 VM</a:t>
+              <a:t>Battier</a:t>
             </a:r>
             <a:endParaRPr lang="zh-CN" altLang="en-US" dirty="0"/>
           </a:p>
@@ -3439,158 +3445,32 @@
         </p:nvSpPr>
         <p:spPr/>
         <p:txBody>
-          <a:bodyPr>
-            <a:normAutofit fontScale="92500" lnSpcReduction="10000"/>
-          </a:bodyPr>
-          <a:lstStyle/>
-          <a:p>
-            <a:r>
-              <a:rPr lang="en-US" b="1" dirty="0" err="1"/>
-              <a:t>Xgcpolicy</a:t>
-            </a:r>
-            <a:r>
-              <a:rPr lang="en-US" dirty="0"/>
-              <a:t> </a:t>
-            </a:r>
-            <a:endParaRPr lang="en-US" dirty="0" smtClean="0"/>
-          </a:p>
-          <a:p>
-            <a:pPr lvl="1"/>
-            <a:r>
-              <a:rPr lang="zh-CN" altLang="en-US" dirty="0" smtClean="0"/>
-              <a:t>隐藏细节，方便使用</a:t>
-            </a:r>
-            <a:r>
-              <a:rPr lang="en-US" altLang="zh-CN" dirty="0" smtClean="0"/>
-              <a:t>,</a:t>
-            </a:r>
-            <a:r>
-              <a:rPr lang="zh-CN" altLang="en-US" dirty="0" smtClean="0"/>
-              <a:t>最终用户不需要知道内部实现细节</a:t>
-            </a:r>
-            <a:endParaRPr lang="en-US" altLang="zh-CN" dirty="0"/>
-          </a:p>
-          <a:p>
-            <a:pPr lvl="1"/>
-            <a:r>
-              <a:rPr lang="en-US" altLang="zh-CN" dirty="0" smtClean="0"/>
-              <a:t>-</a:t>
-            </a:r>
-            <a:r>
-              <a:rPr lang="en-US" altLang="zh-CN" dirty="0" err="1" smtClean="0"/>
-              <a:t>Xgcpolicy:gencon</a:t>
+          <a:bodyPr/>
+          <a:lstStyle/>
+          <a:p>
+            <a:r>
+              <a:rPr lang="zh-CN" altLang="en-US" dirty="0" smtClean="0"/>
+              <a:t>跨越分代</a:t>
             </a:r>
             <a:endParaRPr lang="en-US" altLang="zh-CN" dirty="0" smtClean="0"/>
           </a:p>
           <a:p>
-            <a:pPr lvl="2"/>
-            <a:r>
-              <a:rPr lang="en-US" altLang="zh-CN" dirty="0" smtClean="0"/>
-              <a:t>Low pause</a:t>
-            </a:r>
-          </a:p>
-          <a:p>
-            <a:pPr lvl="1"/>
-            <a:r>
-              <a:rPr lang="en-US" altLang="zh-CN" dirty="0" smtClean="0"/>
-              <a:t>-</a:t>
-            </a:r>
-            <a:r>
-              <a:rPr lang="en-US" altLang="zh-CN" dirty="0" err="1" smtClean="0"/>
-              <a:t>Xgcpolicy:</a:t>
-            </a:r>
-            <a:r>
-              <a:rPr lang="en-US" altLang="zh-CN" dirty="0" err="1" smtClean="0"/>
-              <a:t>Optthoughtput</a:t>
-            </a:r>
-            <a:endParaRPr lang="en-US" altLang="zh-CN" dirty="0" smtClean="0"/>
-          </a:p>
-          <a:p>
-            <a:pPr lvl="2"/>
-            <a:r>
-              <a:rPr lang="en-US" altLang="zh-CN" dirty="0" err="1" smtClean="0"/>
-              <a:t>Optlimized</a:t>
-            </a:r>
-            <a:r>
-              <a:rPr lang="en-US" altLang="zh-CN" dirty="0" smtClean="0"/>
-              <a:t> for </a:t>
-            </a:r>
-            <a:r>
-              <a:rPr lang="en-US" altLang="zh-CN" dirty="0" err="1" smtClean="0"/>
-              <a:t>thoughtput</a:t>
-            </a:r>
-            <a:endParaRPr lang="en-US" altLang="zh-CN" dirty="0" smtClean="0"/>
-          </a:p>
-          <a:p>
-            <a:pPr lvl="1"/>
-            <a:r>
-              <a:rPr lang="en-US" altLang="zh-CN" dirty="0" smtClean="0"/>
-              <a:t>-</a:t>
-            </a:r>
-            <a:r>
-              <a:rPr lang="en-US" altLang="zh-CN" dirty="0" err="1" smtClean="0"/>
-              <a:t>Xgcpolicy:</a:t>
-            </a:r>
-            <a:r>
-              <a:rPr lang="en-US" altLang="zh-CN" dirty="0" err="1" smtClean="0"/>
-              <a:t>Subpool</a:t>
-            </a:r>
-            <a:endParaRPr lang="en-US" altLang="zh-CN" dirty="0" smtClean="0"/>
-          </a:p>
-          <a:p>
-            <a:pPr lvl="2"/>
-            <a:r>
-              <a:rPr lang="en-US" dirty="0"/>
-              <a:t>deprecated </a:t>
-            </a:r>
-            <a:r>
-              <a:rPr lang="en-US" dirty="0" smtClean="0"/>
-              <a:t>.use </a:t>
-            </a:r>
-            <a:r>
-              <a:rPr lang="en-US" altLang="zh-CN" dirty="0" err="1" smtClean="0"/>
-              <a:t>Optthoughtput</a:t>
-            </a:r>
-            <a:r>
-              <a:rPr lang="en-US" altLang="zh-CN" dirty="0" smtClean="0"/>
-              <a:t>.</a:t>
-            </a:r>
-            <a:endParaRPr lang="en-US" altLang="zh-CN" dirty="0" smtClean="0"/>
-          </a:p>
-          <a:p>
-            <a:pPr lvl="1"/>
-            <a:r>
-              <a:rPr lang="en-US" altLang="zh-CN" dirty="0" smtClean="0"/>
-              <a:t>-</a:t>
-            </a:r>
-            <a:r>
-              <a:rPr lang="en-US" altLang="zh-CN" dirty="0" err="1" smtClean="0"/>
-              <a:t>Xgcpolicy:</a:t>
-            </a:r>
-            <a:r>
-              <a:rPr lang="en-US" altLang="zh-CN" dirty="0" err="1" smtClean="0"/>
-              <a:t>balanced</a:t>
-            </a:r>
-            <a:endParaRPr lang="en-US" altLang="zh-CN" dirty="0"/>
-          </a:p>
-          <a:p>
-            <a:pPr lvl="2"/>
-            <a:r>
-              <a:rPr lang="en-US" altLang="zh-CN" dirty="0" smtClean="0"/>
-              <a:t>New </a:t>
-            </a:r>
-            <a:r>
-              <a:rPr lang="en-US" altLang="zh-CN" dirty="0" err="1" smtClean="0"/>
-              <a:t>gc</a:t>
-            </a:r>
-            <a:r>
-              <a:rPr lang="en-US" altLang="zh-CN" dirty="0" smtClean="0"/>
-              <a:t> policy , like G1</a:t>
-            </a:r>
+            <a:r>
+              <a:rPr lang="en-US" altLang="zh-CN" dirty="0" smtClean="0"/>
+              <a:t>Card Table</a:t>
+            </a:r>
+          </a:p>
+          <a:p>
+            <a:endParaRPr lang="zh-CN" altLang="en-US" dirty="0"/>
           </a:p>
         </p:txBody>
       </p:sp>
     </p:spTree>
+    <p:extLst>
+      <p:ext uri="{BB962C8B-B14F-4D97-AF65-F5344CB8AC3E}">
+        <p14:creationId xmlns:p14="http://schemas.microsoft.com/office/powerpoint/2010/main" val="580135007"/>
+      </p:ext>
+    </p:extLst>
   </p:cSld>
   <p:clrMapOvr>
     <a:masterClrMapping/>
@@ -3631,8 +3511,16 @@
           <a:lstStyle/>
           <a:p>
             <a:r>
-              <a:rPr lang="en-US" altLang="zh-CN" dirty="0" smtClean="0"/>
-              <a:t>GC in Zing VM</a:t>
+              <a:rPr lang="zh-CN" altLang="en-US" dirty="0" smtClean="0"/>
+              <a:t>并行和并发 </a:t>
+            </a:r>
+            <a:r>
+              <a:rPr lang="en-US" altLang="zh-CN" dirty="0"/>
+              <a:t>P</a:t>
+            </a:r>
+            <a:r>
+              <a:rPr lang="en-US" altLang="zh-CN" dirty="0" smtClean="0"/>
+              <a:t>arallel &amp; Concurrent</a:t>
             </a:r>
             <a:endParaRPr lang="zh-CN" altLang="en-US" dirty="0"/>
           </a:p>
@@ -3654,43 +3542,181 @@
           <a:lstStyle/>
           <a:p>
             <a:r>
-              <a:rPr lang="en-US" altLang="zh-CN" dirty="0" smtClean="0"/>
-              <a:t>C4 GC - </a:t>
-            </a:r>
-            <a:r>
-              <a:rPr lang="en-US" dirty="0"/>
-              <a:t>Continuously Concurrent Compacting </a:t>
-            </a:r>
-            <a:r>
-              <a:rPr lang="en-US" dirty="0" smtClean="0"/>
-              <a:t>Collector</a:t>
-            </a:r>
-          </a:p>
-          <a:p>
-            <a:r>
-              <a:rPr lang="en-US" altLang="zh-CN" dirty="0" smtClean="0"/>
-              <a:t>Solve all </a:t>
-            </a:r>
-            <a:r>
-              <a:rPr lang="en-US" altLang="zh-CN" dirty="0" err="1" smtClean="0"/>
-              <a:t>gc</a:t>
-            </a:r>
-            <a:r>
-              <a:rPr lang="en-US" altLang="zh-CN" dirty="0" smtClean="0"/>
-              <a:t> problem</a:t>
-            </a:r>
-            <a:endParaRPr lang="en-US" dirty="0" smtClean="0"/>
-          </a:p>
-          <a:p>
-            <a:r>
-              <a:rPr lang="zh-CN" altLang="en-US" dirty="0" smtClean="0"/>
-              <a:t>完美无瑕，无懈可击：你根本无法想象这个东西是怎么被设计出来的。</a:t>
+              <a:rPr lang="zh-CN" altLang="en-US" dirty="0" smtClean="0"/>
+              <a:t>并行</a:t>
+            </a:r>
+            <a:r>
+              <a:rPr lang="en-US" altLang="zh-CN" dirty="0" smtClean="0"/>
+              <a:t>: </a:t>
+            </a:r>
+          </a:p>
+          <a:p>
+            <a:pPr lvl="1"/>
+            <a:r>
+              <a:rPr lang="zh-CN" altLang="en-US" dirty="0" smtClean="0"/>
+              <a:t>使用多个垃圾回收线程</a:t>
+            </a:r>
+            <a:endParaRPr lang="en-US" altLang="zh-CN" dirty="0" smtClean="0"/>
+          </a:p>
+          <a:p>
+            <a:pPr lvl="1"/>
+            <a:r>
+              <a:rPr lang="en-US" altLang="zh-CN" dirty="0" smtClean="0"/>
+              <a:t>STW</a:t>
+            </a:r>
+            <a:r>
+              <a:rPr lang="zh-CN" altLang="en-US" dirty="0" smtClean="0"/>
+              <a:t>（停止其他所有线程）</a:t>
+            </a:r>
+            <a:r>
+              <a:rPr lang="en-US" altLang="zh-CN" dirty="0" smtClean="0"/>
+              <a:t>,</a:t>
+            </a:r>
+            <a:r>
+              <a:rPr lang="zh-CN" altLang="en-US" dirty="0" smtClean="0"/>
+              <a:t>全力</a:t>
+            </a:r>
+            <a:r>
+              <a:rPr lang="zh-CN" altLang="en-US" dirty="0"/>
+              <a:t>回收</a:t>
+            </a:r>
+            <a:r>
+              <a:rPr lang="zh-CN" altLang="en-US" dirty="0" smtClean="0"/>
+              <a:t>垃圾</a:t>
+            </a:r>
+            <a:endParaRPr lang="en-US" altLang="zh-CN" dirty="0" smtClean="0"/>
+          </a:p>
+          <a:p>
+            <a:r>
+              <a:rPr lang="zh-CN" altLang="en-US" dirty="0" smtClean="0"/>
+              <a:t>并发</a:t>
+            </a:r>
+            <a:r>
+              <a:rPr lang="en-US" altLang="zh-CN" dirty="0" smtClean="0"/>
+              <a:t>:</a:t>
+            </a:r>
+            <a:r>
+              <a:rPr lang="zh-CN" altLang="en-US" dirty="0" smtClean="0"/>
+              <a:t>和程序同时运行</a:t>
             </a:r>
             <a:endParaRPr lang="zh-CN" altLang="en-US" dirty="0"/>
           </a:p>
         </p:txBody>
       </p:sp>
+      <p:pic>
+        <p:nvPicPr>
+          <p:cNvPr id="1026" name="Picture 2"/>
+          <p:cNvPicPr>
+            <a:picLocks noChangeAspect="1" noChangeArrowheads="1"/>
+          </p:cNvPicPr>
+          <p:nvPr/>
+        </p:nvPicPr>
+        <p:blipFill>
+          <a:blip r:embed="rId2">
+            <a:extLst>
+              <a:ext uri="{28A0092B-C50C-407E-A947-70E740481C1C}">
+                <a14:useLocalDpi xmlns:a14="http://schemas.microsoft.com/office/drawing/2010/main" val="0"/>
+              </a:ext>
+            </a:extLst>
+          </a:blip>
+          <a:srcRect/>
+          <a:stretch>
+            <a:fillRect/>
+          </a:stretch>
+        </p:blipFill>
+        <p:spPr bwMode="auto">
+          <a:xfrm>
+            <a:off x="611560" y="3789040"/>
+            <a:ext cx="3571875" cy="2190750"/>
+          </a:xfrm>
+          <a:prstGeom prst="rect">
+            <a:avLst/>
+          </a:prstGeom>
+          <a:noFill/>
+          <a:ln>
+            <a:noFill/>
+          </a:ln>
+          <a:extLst>
+            <a:ext uri="{909E8E84-426E-40DD-AFC4-6F175D3DCCD1}">
+              <a14:hiddenFill xmlns:a14="http://schemas.microsoft.com/office/drawing/2010/main">
+                <a:solidFill>
+                  <a:schemeClr val="accent1"/>
+                </a:solidFill>
+              </a14:hiddenFill>
+            </a:ext>
+            <a:ext uri="{91240B29-F687-4F45-9708-019B960494DF}">
+              <a14:hiddenLine xmlns:a14="http://schemas.microsoft.com/office/drawing/2010/main" w="9525">
+                <a:solidFill>
+                  <a:schemeClr val="tx1"/>
+                </a:solidFill>
+                <a:miter lim="800000"/>
+                <a:headEnd/>
+                <a:tailEnd/>
+              </a14:hiddenLine>
+            </a:ext>
+          </a:extLst>
+        </p:spPr>
+      </p:pic>
+      <p:pic>
+        <p:nvPicPr>
+          <p:cNvPr id="1027" name="Picture 3"/>
+          <p:cNvPicPr>
+            <a:picLocks noChangeAspect="1" noChangeArrowheads="1"/>
+          </p:cNvPicPr>
+          <p:nvPr/>
+        </p:nvPicPr>
+        <p:blipFill>
+          <a:blip r:embed="rId3">
+            <a:extLst>
+              <a:ext uri="{28A0092B-C50C-407E-A947-70E740481C1C}">
+                <a14:useLocalDpi xmlns:a14="http://schemas.microsoft.com/office/drawing/2010/main" val="0"/>
+              </a:ext>
+            </a:extLst>
+          </a:blip>
+          <a:srcRect/>
+          <a:stretch>
+            <a:fillRect/>
+          </a:stretch>
+        </p:blipFill>
+        <p:spPr bwMode="auto">
+          <a:xfrm>
+            <a:off x="4716016" y="3573016"/>
+            <a:ext cx="4105275" cy="2705100"/>
+          </a:xfrm>
+          <a:prstGeom prst="rect">
+            <a:avLst/>
+          </a:prstGeom>
+          <a:noFill/>
+          <a:ln>
+            <a:noFill/>
+          </a:ln>
+          <a:extLst>
+            <a:ext uri="{909E8E84-426E-40DD-AFC4-6F175D3DCCD1}">
+              <a14:hiddenFill xmlns:a14="http://schemas.microsoft.com/office/drawing/2010/main">
+                <a:solidFill>
+                  <a:schemeClr val="accent1"/>
+                </a:solidFill>
+              </a14:hiddenFill>
+            </a:ext>
+            <a:ext uri="{91240B29-F687-4F45-9708-019B960494DF}">
+              <a14:hiddenLine xmlns:a14="http://schemas.microsoft.com/office/drawing/2010/main" w="9525">
+                <a:solidFill>
+                  <a:schemeClr val="tx1"/>
+                </a:solidFill>
+                <a:miter lim="800000"/>
+                <a:headEnd/>
+                <a:tailEnd/>
+              </a14:hiddenLine>
+            </a:ext>
+          </a:extLst>
+        </p:spPr>
+      </p:pic>
     </p:spTree>
+    <p:extLst>
+      <p:ext uri="{BB962C8B-B14F-4D97-AF65-F5344CB8AC3E}">
+        <p14:creationId xmlns:p14="http://schemas.microsoft.com/office/powerpoint/2010/main" val="1510367466"/>
+      </p:ext>
+    </p:extLst>
   </p:cSld>
   <p:clrMapOvr>
     <a:masterClrMapping/>
@@ -3732,6 +3758,2169 @@
           <a:p>
             <a:r>
               <a:rPr lang="en-US" altLang="zh-CN" dirty="0" smtClean="0"/>
+              <a:t>GC in </a:t>
+            </a:r>
+            <a:r>
+              <a:rPr lang="en-US" altLang="zh-CN" dirty="0" err="1" smtClean="0"/>
+              <a:t>HotSpot</a:t>
+            </a:r>
+            <a:r>
+              <a:rPr lang="en-US" altLang="zh-CN" dirty="0" smtClean="0"/>
+              <a:t> VM</a:t>
+            </a:r>
+            <a:endParaRPr lang="zh-CN" altLang="en-US" dirty="0"/>
+          </a:p>
+        </p:txBody>
+      </p:sp>
+      <p:pic>
+        <p:nvPicPr>
+          <p:cNvPr id="5" name="内容占位符 3"/>
+          <p:cNvPicPr>
+            <a:picLocks noChangeAspect="1"/>
+          </p:cNvPicPr>
+          <p:nvPr/>
+        </p:nvPicPr>
+        <p:blipFill>
+          <a:blip r:embed="rId2">
+            <a:extLst>
+              <a:ext uri="{28A0092B-C50C-407E-A947-70E740481C1C}">
+                <a14:useLocalDpi xmlns:a14="http://schemas.microsoft.com/office/drawing/2010/main" val="0"/>
+              </a:ext>
+            </a:extLst>
+          </a:blip>
+          <a:stretch>
+            <a:fillRect/>
+          </a:stretch>
+        </p:blipFill>
+        <p:spPr>
+          <a:xfrm>
+            <a:off x="1763688" y="1484784"/>
+            <a:ext cx="5857128" cy="4525963"/>
+          </a:xfrm>
+          <a:prstGeom prst="rect">
+            <a:avLst/>
+          </a:prstGeom>
+        </p:spPr>
+      </p:pic>
+    </p:spTree>
+    <p:extLst>
+      <p:ext uri="{BB962C8B-B14F-4D97-AF65-F5344CB8AC3E}">
+        <p14:creationId xmlns:p14="http://schemas.microsoft.com/office/powerpoint/2010/main" val="616952759"/>
+      </p:ext>
+    </p:extLst>
+  </p:cSld>
+  <p:clrMapOvr>
+    <a:masterClrMapping/>
+  </p:clrMapOvr>
+</p:sld>
+</file>
+
+<file path=ppt/slides/slide15.xml><?xml version="1.0" encoding="utf-8"?>
+<p:sld xmlns:a="http://schemas.openxmlformats.org/drawingml/2006/main" xmlns:r="http://schemas.openxmlformats.org/officeDocument/2006/relationships" xmlns:p="http://schemas.openxmlformats.org/presentationml/2006/main">
+  <p:cSld>
+    <p:spTree>
+      <p:nvGrpSpPr>
+        <p:cNvPr id="1" name=""/>
+        <p:cNvGrpSpPr/>
+        <p:nvPr/>
+      </p:nvGrpSpPr>
+      <p:grpSpPr>
+        <a:xfrm>
+          <a:off x="0" y="0"/>
+          <a:ext cx="0" cy="0"/>
+          <a:chOff x="0" y="0"/>
+          <a:chExt cx="0" cy="0"/>
+        </a:xfrm>
+      </p:grpSpPr>
+      <p:sp>
+        <p:nvSpPr>
+          <p:cNvPr id="2" name="标题 1"/>
+          <p:cNvSpPr>
+            <a:spLocks noGrp="1"/>
+          </p:cNvSpPr>
+          <p:nvPr>
+            <p:ph type="title"/>
+          </p:nvPr>
+        </p:nvSpPr>
+        <p:spPr/>
+        <p:txBody>
+          <a:bodyPr/>
+          <a:lstStyle/>
+          <a:p>
+            <a:r>
+              <a:rPr lang="en-US" altLang="zh-CN" dirty="0" smtClean="0"/>
+              <a:t>GC in </a:t>
+            </a:r>
+            <a:r>
+              <a:rPr lang="en-US" altLang="zh-CN" dirty="0" err="1" smtClean="0"/>
+              <a:t>HotSpot</a:t>
+            </a:r>
+            <a:r>
+              <a:rPr lang="en-US" altLang="zh-CN" dirty="0" smtClean="0"/>
+              <a:t> VM</a:t>
+            </a:r>
+            <a:endParaRPr lang="zh-CN" altLang="en-US" dirty="0"/>
+          </a:p>
+        </p:txBody>
+      </p:sp>
+      <p:sp>
+        <p:nvSpPr>
+          <p:cNvPr id="3" name="内容占位符 2"/>
+          <p:cNvSpPr>
+            <a:spLocks noGrp="1"/>
+          </p:cNvSpPr>
+          <p:nvPr>
+            <p:ph idx="1"/>
+          </p:nvPr>
+        </p:nvSpPr>
+        <p:spPr/>
+        <p:txBody>
+          <a:bodyPr>
+            <a:normAutofit fontScale="77500" lnSpcReduction="20000"/>
+          </a:bodyPr>
+          <a:lstStyle/>
+          <a:p>
+            <a:r>
+              <a:rPr lang="en-US" altLang="zh-CN" dirty="0" smtClean="0"/>
+              <a:t>Serial</a:t>
+            </a:r>
+          </a:p>
+          <a:p>
+            <a:pPr lvl="1"/>
+            <a:r>
+              <a:rPr lang="en-US" altLang="zh-CN" dirty="0" smtClean="0"/>
+              <a:t>Serial Def</a:t>
+            </a:r>
+            <a:r>
+              <a:rPr lang="en-US" altLang="zh-CN" dirty="0" smtClean="0"/>
+              <a:t>ault new gen</a:t>
+            </a:r>
+            <a:r>
+              <a:rPr lang="en-US" altLang="zh-CN" dirty="0" smtClean="0"/>
+              <a:t> aka </a:t>
+            </a:r>
+            <a:r>
+              <a:rPr lang="en-US" altLang="zh-CN" dirty="0" err="1" smtClean="0"/>
+              <a:t>DefNew</a:t>
+            </a:r>
+            <a:r>
+              <a:rPr lang="en-US" altLang="zh-CN" dirty="0" smtClean="0"/>
+              <a:t> - copying</a:t>
+            </a:r>
+            <a:endParaRPr lang="en-US" altLang="zh-CN" dirty="0" smtClean="0"/>
+          </a:p>
+          <a:p>
+            <a:pPr lvl="1"/>
+            <a:r>
+              <a:rPr lang="en-US" altLang="zh-CN" dirty="0" smtClean="0"/>
+              <a:t>Serial </a:t>
+            </a:r>
+            <a:r>
+              <a:rPr lang="en-US" altLang="zh-CN" dirty="0" smtClean="0"/>
+              <a:t>Old  -  mark-compact</a:t>
+            </a:r>
+            <a:endParaRPr lang="en-US" altLang="zh-CN" dirty="0" smtClean="0"/>
+          </a:p>
+          <a:p>
+            <a:r>
+              <a:rPr lang="en-US" altLang="zh-CN" dirty="0" smtClean="0"/>
+              <a:t>Parallel</a:t>
+            </a:r>
+          </a:p>
+          <a:p>
+            <a:pPr lvl="1"/>
+            <a:r>
+              <a:rPr lang="en-US" altLang="zh-CN" dirty="0" smtClean="0"/>
+              <a:t>Parallel new gen</a:t>
+            </a:r>
+            <a:r>
+              <a:rPr lang="en-US" altLang="zh-CN" dirty="0" smtClean="0"/>
+              <a:t> </a:t>
+            </a:r>
+            <a:r>
+              <a:rPr lang="en-US" altLang="zh-CN" dirty="0" err="1" smtClean="0"/>
+              <a:t>ParNew</a:t>
+            </a:r>
+            <a:r>
+              <a:rPr lang="en-US" altLang="zh-CN" dirty="0" smtClean="0"/>
+              <a:t> – copying </a:t>
+            </a:r>
+            <a:endParaRPr lang="en-US" altLang="zh-CN" dirty="0" smtClean="0"/>
+          </a:p>
+          <a:p>
+            <a:pPr lvl="1"/>
+            <a:r>
+              <a:rPr lang="en-US" altLang="zh-CN" dirty="0" smtClean="0"/>
+              <a:t>PS </a:t>
+            </a:r>
+            <a:r>
+              <a:rPr lang="en-US" altLang="zh-CN" dirty="0" smtClean="0"/>
+              <a:t>Scavenge aka </a:t>
+            </a:r>
+            <a:r>
+              <a:rPr lang="en-US" altLang="zh-CN" dirty="0" err="1" smtClean="0"/>
+              <a:t>PSYoungGen</a:t>
+            </a:r>
+            <a:r>
+              <a:rPr lang="en-US" altLang="zh-CN" dirty="0" smtClean="0"/>
+              <a:t> </a:t>
+            </a:r>
+            <a:r>
+              <a:rPr lang="en-US" altLang="zh-CN" dirty="0" smtClean="0"/>
+              <a:t>(</a:t>
+            </a:r>
+            <a:r>
+              <a:rPr lang="en-US" altLang="zh-CN" dirty="0" err="1" smtClean="0"/>
+              <a:t>ThroughPut</a:t>
+            </a:r>
+            <a:r>
+              <a:rPr lang="en-US" altLang="zh-CN" dirty="0" smtClean="0"/>
+              <a:t> </a:t>
+            </a:r>
+            <a:r>
+              <a:rPr lang="en-US" altLang="zh-CN" dirty="0" err="1" smtClean="0"/>
+              <a:t>gc</a:t>
+            </a:r>
+            <a:r>
+              <a:rPr lang="en-US" altLang="zh-CN" dirty="0" smtClean="0"/>
+              <a:t>) – copying</a:t>
+            </a:r>
+          </a:p>
+          <a:p>
+            <a:pPr lvl="1"/>
+            <a:r>
+              <a:rPr lang="en-US" altLang="zh-CN" dirty="0" err="1" smtClean="0"/>
+              <a:t>ParallelOld</a:t>
+            </a:r>
+            <a:r>
+              <a:rPr lang="en-US" altLang="zh-CN" dirty="0" smtClean="0"/>
+              <a:t> – mark-compact</a:t>
+            </a:r>
+            <a:endParaRPr lang="en-US" altLang="zh-CN" dirty="0" smtClean="0"/>
+          </a:p>
+          <a:p>
+            <a:r>
+              <a:rPr lang="en-US" altLang="zh-CN" dirty="0" smtClean="0"/>
+              <a:t>CMS(parallel + concurrent.ps : concurrent always parallel)</a:t>
+            </a:r>
+          </a:p>
+          <a:p>
+            <a:pPr lvl="1"/>
+            <a:r>
+              <a:rPr lang="en-US" altLang="zh-CN" dirty="0" smtClean="0"/>
+              <a:t>Mostly Concurrent Mark-sweep </a:t>
+            </a:r>
+            <a:r>
+              <a:rPr lang="en-US" altLang="zh-CN" dirty="0" err="1" smtClean="0"/>
+              <a:t>gc</a:t>
+            </a:r>
+            <a:r>
+              <a:rPr lang="en-US" altLang="zh-CN" dirty="0" smtClean="0"/>
+              <a:t> + serial old On full </a:t>
+            </a:r>
+            <a:r>
+              <a:rPr lang="en-US" altLang="zh-CN" dirty="0" err="1" smtClean="0"/>
+              <a:t>gc</a:t>
+            </a:r>
+            <a:endParaRPr lang="en-US" altLang="zh-CN" dirty="0" smtClean="0"/>
+          </a:p>
+          <a:p>
+            <a:r>
+              <a:rPr lang="en-US" altLang="zh-CN" dirty="0" smtClean="0"/>
+              <a:t>G1</a:t>
+            </a:r>
+          </a:p>
+          <a:p>
+            <a:pPr lvl="1"/>
+            <a:r>
+              <a:rPr lang="en-US" altLang="zh-CN" dirty="0" smtClean="0"/>
+              <a:t>Concurrent Parallel Mark-Sweep-Compact </a:t>
+            </a:r>
+            <a:r>
+              <a:rPr lang="en-US" altLang="zh-CN" dirty="0" err="1" smtClean="0"/>
+              <a:t>gc</a:t>
+            </a:r>
+            <a:endParaRPr lang="zh-CN" altLang="en-US" dirty="0"/>
+          </a:p>
+        </p:txBody>
+      </p:sp>
+    </p:spTree>
+  </p:cSld>
+  <p:clrMapOvr>
+    <a:masterClrMapping/>
+  </p:clrMapOvr>
+</p:sld>
+</file>
+
+<file path=ppt/slides/slide16.xml><?xml version="1.0" encoding="utf-8"?>
+<p:sld xmlns:a="http://schemas.openxmlformats.org/drawingml/2006/main" xmlns:r="http://schemas.openxmlformats.org/officeDocument/2006/relationships" xmlns:p="http://schemas.openxmlformats.org/presentationml/2006/main">
+  <p:cSld>
+    <p:spTree>
+      <p:nvGrpSpPr>
+        <p:cNvPr id="1" name=""/>
+        <p:cNvGrpSpPr/>
+        <p:nvPr/>
+      </p:nvGrpSpPr>
+      <p:grpSpPr>
+        <a:xfrm>
+          <a:off x="0" y="0"/>
+          <a:ext cx="0" cy="0"/>
+          <a:chOff x="0" y="0"/>
+          <a:chExt cx="0" cy="0"/>
+        </a:xfrm>
+      </p:grpSpPr>
+      <p:sp>
+        <p:nvSpPr>
+          <p:cNvPr id="2" name="标题 1"/>
+          <p:cNvSpPr>
+            <a:spLocks noGrp="1"/>
+          </p:cNvSpPr>
+          <p:nvPr>
+            <p:ph type="title"/>
+          </p:nvPr>
+        </p:nvSpPr>
+        <p:spPr/>
+        <p:txBody>
+          <a:bodyPr/>
+          <a:lstStyle/>
+          <a:p>
+            <a:r>
+              <a:rPr lang="en-US" altLang="zh-CN" dirty="0" err="1" smtClean="0"/>
+              <a:t>ParNew</a:t>
+            </a:r>
+            <a:r>
+              <a:rPr lang="en-US" altLang="zh-CN" dirty="0" smtClean="0"/>
+              <a:t> &amp; </a:t>
+            </a:r>
+            <a:r>
+              <a:rPr lang="en-US" altLang="zh-CN" dirty="0" err="1" smtClean="0"/>
+              <a:t>PS</a:t>
+            </a:r>
+            <a:r>
+              <a:rPr lang="en-US" altLang="zh-CN" dirty="0" err="1"/>
+              <a:t>S</a:t>
+            </a:r>
+            <a:r>
+              <a:rPr lang="en-US" altLang="zh-CN" dirty="0" err="1" smtClean="0"/>
+              <a:t>cavenge</a:t>
+            </a:r>
+            <a:endParaRPr lang="zh-CN" altLang="en-US" dirty="0"/>
+          </a:p>
+        </p:txBody>
+      </p:sp>
+      <p:sp>
+        <p:nvSpPr>
+          <p:cNvPr id="3" name="内容占位符 2"/>
+          <p:cNvSpPr>
+            <a:spLocks noGrp="1"/>
+          </p:cNvSpPr>
+          <p:nvPr>
+            <p:ph idx="1"/>
+          </p:nvPr>
+        </p:nvSpPr>
+        <p:spPr/>
+        <p:txBody>
+          <a:bodyPr/>
+          <a:lstStyle/>
+          <a:p>
+            <a:r>
+              <a:rPr lang="en-US" altLang="zh-CN" dirty="0" err="1" smtClean="0"/>
+              <a:t>PSScavenge</a:t>
+            </a:r>
+            <a:endParaRPr lang="en-US" altLang="zh-CN" dirty="0" smtClean="0"/>
+          </a:p>
+          <a:p>
+            <a:pPr lvl="1"/>
+            <a:r>
+              <a:rPr lang="zh-CN" altLang="en-US" dirty="0" smtClean="0"/>
+              <a:t>发展成主要的</a:t>
+            </a:r>
+            <a:r>
+              <a:rPr lang="en-US" altLang="zh-CN" dirty="0" smtClean="0"/>
+              <a:t>Throughput GC</a:t>
+            </a:r>
+          </a:p>
+          <a:p>
+            <a:pPr lvl="1"/>
+            <a:r>
+              <a:rPr lang="en-US" altLang="zh-CN" dirty="0" err="1" smtClean="0"/>
+              <a:t>AdaptiveSizePolicy</a:t>
+            </a:r>
+            <a:endParaRPr lang="en-US" altLang="zh-CN" dirty="0" smtClean="0"/>
+          </a:p>
+          <a:p>
+            <a:pPr lvl="1"/>
+            <a:r>
+              <a:rPr lang="en-US" altLang="zh-CN" dirty="0" smtClean="0"/>
+              <a:t>NUMA Non-uniform Memory Access </a:t>
+            </a:r>
+            <a:r>
+              <a:rPr lang="en-US" altLang="zh-CN" dirty="0" err="1" smtClean="0"/>
+              <a:t>Architechure</a:t>
+            </a:r>
+            <a:endParaRPr lang="en-US" altLang="zh-CN" dirty="0" smtClean="0"/>
+          </a:p>
+          <a:p>
+            <a:pPr lvl="2"/>
+            <a:r>
+              <a:rPr lang="en-US" altLang="zh-CN" dirty="0"/>
+              <a:t> </a:t>
+            </a:r>
+            <a:r>
+              <a:rPr lang="en-US" altLang="zh-CN" dirty="0" smtClean="0"/>
+              <a:t>40% </a:t>
+            </a:r>
+            <a:r>
+              <a:rPr lang="zh-CN" altLang="en-US" dirty="0" smtClean="0"/>
+              <a:t>对象分配性能提升</a:t>
+            </a:r>
+            <a:r>
+              <a:rPr lang="en-US" altLang="zh-CN" dirty="0" smtClean="0"/>
+              <a:t>(from oracle)</a:t>
+            </a:r>
+          </a:p>
+          <a:p>
+            <a:pPr marL="342900" lvl="2" indent="-342900"/>
+            <a:r>
+              <a:rPr lang="en-US" altLang="zh-CN" sz="3200" dirty="0" err="1" smtClean="0"/>
+              <a:t>ParNew</a:t>
+            </a:r>
+            <a:endParaRPr lang="en-US" altLang="zh-CN" sz="3200" dirty="0" smtClean="0"/>
+          </a:p>
+          <a:p>
+            <a:pPr marL="800100" lvl="3" indent="-342900"/>
+            <a:r>
+              <a:rPr lang="zh-CN" altLang="en-US" sz="2800" dirty="0" smtClean="0"/>
+              <a:t>移植到</a:t>
+            </a:r>
+            <a:r>
+              <a:rPr lang="en-US" altLang="zh-CN" sz="2800" dirty="0" err="1" smtClean="0"/>
+              <a:t>HotSpot</a:t>
+            </a:r>
+            <a:r>
+              <a:rPr lang="en-US" altLang="zh-CN" sz="2800" dirty="0" smtClean="0"/>
+              <a:t> VM</a:t>
+            </a:r>
+            <a:r>
+              <a:rPr lang="zh-CN" altLang="en-US" sz="2800" dirty="0" smtClean="0"/>
+              <a:t>中就是为了搭配</a:t>
+            </a:r>
+            <a:r>
+              <a:rPr lang="en-US" altLang="zh-CN" sz="2800" dirty="0" smtClean="0"/>
+              <a:t>CMS GC</a:t>
+            </a:r>
+            <a:r>
+              <a:rPr lang="zh-CN" altLang="en-US" sz="2800" dirty="0" smtClean="0"/>
+              <a:t>使用</a:t>
+            </a:r>
+            <a:endParaRPr lang="en-US" altLang="zh-CN" sz="2800" dirty="0"/>
+          </a:p>
+        </p:txBody>
+      </p:sp>
+    </p:spTree>
+    <p:extLst>
+      <p:ext uri="{BB962C8B-B14F-4D97-AF65-F5344CB8AC3E}">
+        <p14:creationId xmlns:p14="http://schemas.microsoft.com/office/powerpoint/2010/main" val="2208985154"/>
+      </p:ext>
+    </p:extLst>
+  </p:cSld>
+  <p:clrMapOvr>
+    <a:masterClrMapping/>
+  </p:clrMapOvr>
+</p:sld>
+</file>
+
+<file path=ppt/slides/slide17.xml><?xml version="1.0" encoding="utf-8"?>
+<p:sld xmlns:a="http://schemas.openxmlformats.org/drawingml/2006/main" xmlns:r="http://schemas.openxmlformats.org/officeDocument/2006/relationships" xmlns:p="http://schemas.openxmlformats.org/presentationml/2006/main">
+  <p:cSld>
+    <p:spTree>
+      <p:nvGrpSpPr>
+        <p:cNvPr id="1" name=""/>
+        <p:cNvGrpSpPr/>
+        <p:nvPr/>
+      </p:nvGrpSpPr>
+      <p:grpSpPr>
+        <a:xfrm>
+          <a:off x="0" y="0"/>
+          <a:ext cx="0" cy="0"/>
+          <a:chOff x="0" y="0"/>
+          <a:chExt cx="0" cy="0"/>
+        </a:xfrm>
+      </p:grpSpPr>
+      <p:sp>
+        <p:nvSpPr>
+          <p:cNvPr id="2" name="标题 1"/>
+          <p:cNvSpPr>
+            <a:spLocks noGrp="1"/>
+          </p:cNvSpPr>
+          <p:nvPr>
+            <p:ph type="title"/>
+          </p:nvPr>
+        </p:nvSpPr>
+        <p:spPr/>
+        <p:txBody>
+          <a:bodyPr/>
+          <a:lstStyle/>
+          <a:p>
+            <a:r>
+              <a:rPr lang="en-US" altLang="zh-CN" dirty="0" err="1" smtClean="0"/>
+              <a:t>ConcurrentMarkSweep</a:t>
+            </a:r>
+            <a:r>
+              <a:rPr lang="en-US" altLang="zh-CN" dirty="0" smtClean="0"/>
+              <a:t> CMS</a:t>
+            </a:r>
+            <a:endParaRPr lang="zh-CN" altLang="en-US" dirty="0"/>
+          </a:p>
+        </p:txBody>
+      </p:sp>
+      <p:sp>
+        <p:nvSpPr>
+          <p:cNvPr id="3" name="内容占位符 2"/>
+          <p:cNvSpPr>
+            <a:spLocks noGrp="1"/>
+          </p:cNvSpPr>
+          <p:nvPr>
+            <p:ph idx="1"/>
+          </p:nvPr>
+        </p:nvSpPr>
+        <p:spPr/>
+        <p:txBody>
+          <a:bodyPr>
+            <a:normAutofit fontScale="92500"/>
+          </a:bodyPr>
+          <a:lstStyle/>
+          <a:p>
+            <a:r>
+              <a:rPr lang="en-US" altLang="zh-CN" dirty="0" smtClean="0"/>
+              <a:t>Stop-The-World copying</a:t>
+            </a:r>
+            <a:r>
+              <a:rPr lang="zh-CN" altLang="en-US" dirty="0" smtClean="0"/>
+              <a:t>新生代 </a:t>
+            </a:r>
+            <a:r>
+              <a:rPr lang="en-US" altLang="zh-CN" dirty="0" smtClean="0"/>
+              <a:t>(</a:t>
+            </a:r>
+            <a:r>
+              <a:rPr lang="en-US" altLang="zh-CN" dirty="0" err="1" smtClean="0"/>
+              <a:t>ParNew</a:t>
+            </a:r>
+            <a:r>
+              <a:rPr lang="en-US" altLang="zh-CN" dirty="0" smtClean="0"/>
+              <a:t>)</a:t>
+            </a:r>
+          </a:p>
+          <a:p>
+            <a:r>
+              <a:rPr lang="en-US" altLang="zh-CN" dirty="0" smtClean="0"/>
+              <a:t>Mostly </a:t>
+            </a:r>
+            <a:r>
+              <a:rPr lang="en-US" altLang="zh-CN" dirty="0" err="1" smtClean="0"/>
+              <a:t>Concurrent,non</a:t>
+            </a:r>
+            <a:r>
+              <a:rPr lang="en-US" altLang="zh-CN" dirty="0" smtClean="0"/>
+              <a:t>-Compacting</a:t>
+            </a:r>
+            <a:r>
+              <a:rPr lang="zh-CN" altLang="en-US" dirty="0"/>
+              <a:t>老</a:t>
+            </a:r>
+            <a:r>
+              <a:rPr lang="zh-CN" altLang="en-US" dirty="0" smtClean="0"/>
+              <a:t>年代 </a:t>
+            </a:r>
+            <a:r>
+              <a:rPr lang="en-US" altLang="zh-CN" dirty="0" smtClean="0"/>
+              <a:t>(CMS)</a:t>
+            </a:r>
+          </a:p>
+          <a:p>
+            <a:pPr lvl="1"/>
+            <a:r>
+              <a:rPr lang="zh-CN" altLang="en-US" dirty="0" smtClean="0"/>
+              <a:t>并发标记</a:t>
+            </a:r>
+            <a:endParaRPr lang="en-US" altLang="zh-CN" dirty="0" smtClean="0"/>
+          </a:p>
+          <a:p>
+            <a:pPr lvl="1"/>
+            <a:r>
+              <a:rPr lang="zh-CN" altLang="en-US" dirty="0" smtClean="0"/>
+              <a:t>并发清除</a:t>
+            </a:r>
+            <a:endParaRPr lang="en-US" altLang="zh-CN" dirty="0" smtClean="0"/>
+          </a:p>
+          <a:p>
+            <a:pPr lvl="1"/>
+            <a:r>
+              <a:rPr lang="zh-CN" altLang="en-US" dirty="0" smtClean="0"/>
+              <a:t>没有整理阶段</a:t>
+            </a:r>
+            <a:endParaRPr lang="en-US" altLang="zh-CN" dirty="0" smtClean="0"/>
+          </a:p>
+          <a:p>
+            <a:r>
+              <a:rPr lang="zh-CN" altLang="en-US" dirty="0" smtClean="0"/>
+              <a:t>回退到 </a:t>
+            </a:r>
+            <a:r>
+              <a:rPr lang="en-US" altLang="zh-CN" dirty="0" smtClean="0"/>
+              <a:t>Full GC</a:t>
+            </a:r>
+            <a:r>
+              <a:rPr lang="zh-CN" altLang="en-US" dirty="0" smtClean="0"/>
+              <a:t>（</a:t>
+            </a:r>
+            <a:r>
+              <a:rPr lang="en-US" altLang="zh-CN" dirty="0" smtClean="0"/>
+              <a:t>Stop-The-World</a:t>
+            </a:r>
+            <a:r>
+              <a:rPr lang="zh-CN" altLang="en-US" dirty="0" smtClean="0"/>
+              <a:t>）</a:t>
+            </a:r>
+            <a:endParaRPr lang="en-US" altLang="zh-CN" dirty="0" smtClean="0"/>
+          </a:p>
+          <a:p>
+            <a:pPr lvl="1"/>
+            <a:r>
+              <a:rPr lang="en-US" altLang="zh-CN" dirty="0" smtClean="0"/>
+              <a:t>Concurrent mode </a:t>
+            </a:r>
+            <a:r>
+              <a:rPr lang="en-US" altLang="zh-CN" dirty="0"/>
+              <a:t>Failure</a:t>
+            </a:r>
+            <a:endParaRPr lang="en-US" altLang="zh-CN" dirty="0" smtClean="0"/>
+          </a:p>
+          <a:p>
+            <a:pPr lvl="1"/>
+            <a:r>
+              <a:rPr lang="en-US" altLang="zh-CN" dirty="0" err="1"/>
+              <a:t>PromotionFailed</a:t>
+            </a:r>
+            <a:endParaRPr lang="en-US" altLang="zh-CN" dirty="0" smtClean="0"/>
+          </a:p>
+          <a:p>
+            <a:pPr lvl="1"/>
+            <a:r>
+              <a:rPr lang="en-US" altLang="zh-CN" dirty="0" smtClean="0"/>
+              <a:t>Serial </a:t>
+            </a:r>
+            <a:r>
+              <a:rPr lang="en-US" altLang="zh-CN" dirty="0" err="1" smtClean="0"/>
+              <a:t>Old,Mark</a:t>
+            </a:r>
+            <a:r>
+              <a:rPr lang="en-US" altLang="zh-CN" dirty="0" smtClean="0"/>
+              <a:t>-Compact</a:t>
+            </a:r>
+            <a:endParaRPr lang="zh-CN" altLang="en-US" dirty="0"/>
+          </a:p>
+        </p:txBody>
+      </p:sp>
+    </p:spTree>
+    <p:extLst>
+      <p:ext uri="{BB962C8B-B14F-4D97-AF65-F5344CB8AC3E}">
+        <p14:creationId xmlns:p14="http://schemas.microsoft.com/office/powerpoint/2010/main" val="1549500337"/>
+      </p:ext>
+    </p:extLst>
+  </p:cSld>
+  <p:clrMapOvr>
+    <a:masterClrMapping/>
+  </p:clrMapOvr>
+</p:sld>
+</file>
+
+<file path=ppt/slides/slide18.xml><?xml version="1.0" encoding="utf-8"?>
+<p:sld xmlns:a="http://schemas.openxmlformats.org/drawingml/2006/main" xmlns:r="http://schemas.openxmlformats.org/officeDocument/2006/relationships" xmlns:p="http://schemas.openxmlformats.org/presentationml/2006/main">
+  <p:cSld>
+    <p:spTree>
+      <p:nvGrpSpPr>
+        <p:cNvPr id="1" name=""/>
+        <p:cNvGrpSpPr/>
+        <p:nvPr/>
+      </p:nvGrpSpPr>
+      <p:grpSpPr>
+        <a:xfrm>
+          <a:off x="0" y="0"/>
+          <a:ext cx="0" cy="0"/>
+          <a:chOff x="0" y="0"/>
+          <a:chExt cx="0" cy="0"/>
+        </a:xfrm>
+      </p:grpSpPr>
+      <p:sp>
+        <p:nvSpPr>
+          <p:cNvPr id="2" name="标题 1"/>
+          <p:cNvSpPr>
+            <a:spLocks noGrp="1"/>
+          </p:cNvSpPr>
+          <p:nvPr>
+            <p:ph type="title"/>
+          </p:nvPr>
+        </p:nvSpPr>
+        <p:spPr/>
+        <p:txBody>
+          <a:bodyPr/>
+          <a:lstStyle/>
+          <a:p>
+            <a:r>
+              <a:rPr lang="en-US" altLang="zh-CN" dirty="0" smtClean="0"/>
+              <a:t>Garbage First G1</a:t>
+            </a:r>
+            <a:endParaRPr lang="zh-CN" altLang="en-US" dirty="0"/>
+          </a:p>
+        </p:txBody>
+      </p:sp>
+      <p:sp>
+        <p:nvSpPr>
+          <p:cNvPr id="3" name="内容占位符 2"/>
+          <p:cNvSpPr>
+            <a:spLocks noGrp="1"/>
+          </p:cNvSpPr>
+          <p:nvPr>
+            <p:ph idx="1"/>
+          </p:nvPr>
+        </p:nvSpPr>
+        <p:spPr/>
+        <p:txBody>
+          <a:bodyPr>
+            <a:normAutofit lnSpcReduction="10000"/>
+          </a:bodyPr>
+          <a:lstStyle/>
+          <a:p>
+            <a:r>
+              <a:rPr lang="zh-CN" altLang="en-US" dirty="0" smtClean="0"/>
+              <a:t>并发、并行、压缩、增量式、区域化垃圾回收器</a:t>
+            </a:r>
+            <a:endParaRPr lang="en-US" altLang="zh-CN" dirty="0" smtClean="0"/>
+          </a:p>
+          <a:p>
+            <a:r>
+              <a:rPr lang="en-US" altLang="zh-CN" dirty="0" smtClean="0"/>
+              <a:t>Concurrent parallel compact incremental region Garbage Collector</a:t>
+            </a:r>
+          </a:p>
+          <a:p>
+            <a:r>
+              <a:rPr lang="zh-CN" altLang="en-US" dirty="0" smtClean="0"/>
+              <a:t>在未来统一</a:t>
+            </a:r>
+            <a:r>
+              <a:rPr lang="en-US" altLang="zh-CN" dirty="0" smtClean="0"/>
+              <a:t>GC</a:t>
+            </a:r>
+            <a:r>
+              <a:rPr lang="zh-CN" altLang="en-US" dirty="0" smtClean="0"/>
+              <a:t>框架，取代其他</a:t>
+            </a:r>
+            <a:r>
+              <a:rPr lang="en-US" altLang="zh-CN" dirty="0" err="1" smtClean="0"/>
+              <a:t>gc</a:t>
+            </a:r>
+            <a:endParaRPr lang="en-US" altLang="zh-CN" dirty="0" smtClean="0"/>
+          </a:p>
+          <a:p>
+            <a:r>
+              <a:rPr lang="zh-CN" altLang="en-US" dirty="0" smtClean="0"/>
+              <a:t>友好</a:t>
+            </a:r>
+            <a:endParaRPr lang="en-US" altLang="zh-CN" dirty="0" smtClean="0"/>
+          </a:p>
+          <a:p>
+            <a:pPr lvl="1"/>
+            <a:r>
+              <a:rPr lang="zh-CN" altLang="en-US" dirty="0"/>
+              <a:t>更</a:t>
+            </a:r>
+            <a:r>
+              <a:rPr lang="zh-CN" altLang="en-US" dirty="0" smtClean="0"/>
+              <a:t>少的选项</a:t>
+            </a:r>
+            <a:r>
+              <a:rPr lang="en-US" altLang="zh-CN" dirty="0" smtClean="0"/>
+              <a:t>,</a:t>
+            </a:r>
+            <a:r>
+              <a:rPr lang="zh-CN" altLang="en-US" dirty="0" smtClean="0"/>
+              <a:t>便于使用和调优</a:t>
+            </a:r>
+            <a:endParaRPr lang="en-US" altLang="zh-CN" dirty="0" smtClean="0"/>
+          </a:p>
+          <a:p>
+            <a:pPr lvl="1"/>
+            <a:r>
+              <a:rPr lang="zh-CN" altLang="en-US" dirty="0" smtClean="0"/>
+              <a:t>增加了暂停时间选项 </a:t>
+            </a:r>
+            <a:r>
+              <a:rPr lang="en-US" altLang="zh-CN" dirty="0" smtClean="0"/>
+              <a:t>–</a:t>
+            </a:r>
+            <a:r>
+              <a:rPr lang="en-US" altLang="zh-CN" dirty="0" err="1" smtClean="0"/>
+              <a:t>XX:MaxPauseMillis</a:t>
+            </a:r>
+            <a:r>
+              <a:rPr lang="en-US" altLang="zh-CN" dirty="0" smtClean="0"/>
+              <a:t> default 200</a:t>
+            </a:r>
+            <a:endParaRPr lang="zh-CN" altLang="en-US" dirty="0"/>
+          </a:p>
+        </p:txBody>
+      </p:sp>
+    </p:spTree>
+    <p:extLst>
+      <p:ext uri="{BB962C8B-B14F-4D97-AF65-F5344CB8AC3E}">
+        <p14:creationId xmlns:p14="http://schemas.microsoft.com/office/powerpoint/2010/main" val="2227614777"/>
+      </p:ext>
+    </p:extLst>
+  </p:cSld>
+  <p:clrMapOvr>
+    <a:masterClrMapping/>
+  </p:clrMapOvr>
+</p:sld>
+</file>
+
+<file path=ppt/slides/slide19.xml><?xml version="1.0" encoding="utf-8"?>
+<p:sld xmlns:a="http://schemas.openxmlformats.org/drawingml/2006/main" xmlns:r="http://schemas.openxmlformats.org/officeDocument/2006/relationships" xmlns:p="http://schemas.openxmlformats.org/presentationml/2006/main">
+  <p:cSld>
+    <p:spTree>
+      <p:nvGrpSpPr>
+        <p:cNvPr id="1" name=""/>
+        <p:cNvGrpSpPr/>
+        <p:nvPr/>
+      </p:nvGrpSpPr>
+      <p:grpSpPr>
+        <a:xfrm>
+          <a:off x="0" y="0"/>
+          <a:ext cx="0" cy="0"/>
+          <a:chOff x="0" y="0"/>
+          <a:chExt cx="0" cy="0"/>
+        </a:xfrm>
+      </p:grpSpPr>
+      <p:sp>
+        <p:nvSpPr>
+          <p:cNvPr id="2" name="标题 1"/>
+          <p:cNvSpPr>
+            <a:spLocks noGrp="1"/>
+          </p:cNvSpPr>
+          <p:nvPr>
+            <p:ph type="title"/>
+          </p:nvPr>
+        </p:nvSpPr>
+        <p:spPr/>
+        <p:txBody>
+          <a:bodyPr>
+            <a:normAutofit/>
+          </a:bodyPr>
+          <a:lstStyle/>
+          <a:p>
+            <a:r>
+              <a:rPr lang="en-US" altLang="zh-CN" dirty="0" smtClean="0"/>
+              <a:t>GC tuning is “hard”</a:t>
+            </a:r>
+            <a:endParaRPr lang="zh-CN" altLang="en-US" dirty="0"/>
+          </a:p>
+        </p:txBody>
+      </p:sp>
+      <p:pic>
+        <p:nvPicPr>
+          <p:cNvPr id="4" name="内容占位符 3"/>
+          <p:cNvPicPr>
+            <a:picLocks noGrp="1" noChangeAspect="1"/>
+          </p:cNvPicPr>
+          <p:nvPr>
+            <p:ph idx="1"/>
+          </p:nvPr>
+        </p:nvPicPr>
+        <p:blipFill>
+          <a:blip r:embed="rId2">
+            <a:extLst>
+              <a:ext uri="{28A0092B-C50C-407E-A947-70E740481C1C}">
+                <a14:useLocalDpi xmlns:a14="http://schemas.microsoft.com/office/drawing/2010/main" val="0"/>
+              </a:ext>
+            </a:extLst>
+          </a:blip>
+          <a:stretch>
+            <a:fillRect/>
+          </a:stretch>
+        </p:blipFill>
+        <p:spPr>
+          <a:xfrm>
+            <a:off x="1331640" y="1426680"/>
+            <a:ext cx="6624736" cy="4981291"/>
+          </a:xfrm>
+        </p:spPr>
+      </p:pic>
+    </p:spTree>
+    <p:extLst>
+      <p:ext uri="{BB962C8B-B14F-4D97-AF65-F5344CB8AC3E}">
+        <p14:creationId xmlns:p14="http://schemas.microsoft.com/office/powerpoint/2010/main" val="2663905944"/>
+      </p:ext>
+    </p:extLst>
+  </p:cSld>
+  <p:clrMapOvr>
+    <a:masterClrMapping/>
+  </p:clrMapOvr>
+</p:sld>
+</file>
+
+<file path=ppt/slides/slide2.xml><?xml version="1.0" encoding="utf-8"?>
+<p:sld xmlns:a="http://schemas.openxmlformats.org/drawingml/2006/main" xmlns:r="http://schemas.openxmlformats.org/officeDocument/2006/relationships" xmlns:p="http://schemas.openxmlformats.org/presentationml/2006/main">
+  <p:cSld>
+    <p:spTree>
+      <p:nvGrpSpPr>
+        <p:cNvPr id="1" name=""/>
+        <p:cNvGrpSpPr/>
+        <p:nvPr/>
+      </p:nvGrpSpPr>
+      <p:grpSpPr>
+        <a:xfrm>
+          <a:off x="0" y="0"/>
+          <a:ext cx="0" cy="0"/>
+          <a:chOff x="0" y="0"/>
+          <a:chExt cx="0" cy="0"/>
+        </a:xfrm>
+      </p:grpSpPr>
+      <p:sp>
+        <p:nvSpPr>
+          <p:cNvPr id="2" name="标题 1"/>
+          <p:cNvSpPr>
+            <a:spLocks noGrp="1"/>
+          </p:cNvSpPr>
+          <p:nvPr>
+            <p:ph type="title"/>
+          </p:nvPr>
+        </p:nvSpPr>
+        <p:spPr/>
+        <p:txBody>
+          <a:bodyPr/>
+          <a:lstStyle/>
+          <a:p>
+            <a:r>
+              <a:rPr lang="en-US" altLang="zh-CN" dirty="0" smtClean="0"/>
+              <a:t>Base of </a:t>
+            </a:r>
+            <a:r>
+              <a:rPr lang="en-US" altLang="zh-CN" dirty="0"/>
+              <a:t>G</a:t>
+            </a:r>
+            <a:r>
+              <a:rPr lang="en-US" altLang="zh-CN" dirty="0" smtClean="0"/>
+              <a:t>arbage Collect</a:t>
+            </a:r>
+            <a:endParaRPr lang="zh-CN" altLang="en-US" dirty="0"/>
+          </a:p>
+        </p:txBody>
+      </p:sp>
+      <p:sp>
+        <p:nvSpPr>
+          <p:cNvPr id="3" name="内容占位符 2"/>
+          <p:cNvSpPr>
+            <a:spLocks noGrp="1"/>
+          </p:cNvSpPr>
+          <p:nvPr>
+            <p:ph idx="1"/>
+          </p:nvPr>
+        </p:nvSpPr>
+        <p:spPr/>
+        <p:txBody>
+          <a:bodyPr>
+            <a:normAutofit fontScale="85000" lnSpcReduction="20000"/>
+          </a:bodyPr>
+          <a:lstStyle/>
+          <a:p>
+            <a:r>
+              <a:rPr lang="en-US" altLang="zh-CN" dirty="0" smtClean="0"/>
+              <a:t>Copying</a:t>
+            </a:r>
+          </a:p>
+          <a:p>
+            <a:pPr lvl="1"/>
+            <a:r>
+              <a:rPr lang="zh-CN" altLang="en-US" dirty="0" smtClean="0"/>
+              <a:t>复制算法</a:t>
+            </a:r>
+            <a:endParaRPr lang="en-US" altLang="zh-CN" dirty="0" smtClean="0"/>
+          </a:p>
+          <a:p>
+            <a:pPr lvl="1"/>
+            <a:r>
+              <a:rPr lang="zh-CN" altLang="en-US" dirty="0" smtClean="0"/>
+              <a:t>无碎片化</a:t>
+            </a:r>
+            <a:endParaRPr lang="en-US" altLang="zh-CN" dirty="0" smtClean="0"/>
+          </a:p>
+          <a:p>
+            <a:pPr lvl="1"/>
+            <a:r>
+              <a:rPr lang="zh-CN" altLang="en-US" dirty="0" smtClean="0"/>
+              <a:t>通常用于新生代（泛指）</a:t>
+            </a:r>
+            <a:endParaRPr lang="en-US" altLang="zh-CN" dirty="0" smtClean="0"/>
+          </a:p>
+          <a:p>
+            <a:r>
+              <a:rPr lang="en-US" altLang="zh-CN" dirty="0" smtClean="0"/>
+              <a:t>Mark-Sweep</a:t>
+            </a:r>
+          </a:p>
+          <a:p>
+            <a:pPr lvl="1"/>
+            <a:r>
+              <a:rPr lang="zh-CN" altLang="en-US" dirty="0" smtClean="0"/>
+              <a:t>标记</a:t>
+            </a:r>
+            <a:r>
+              <a:rPr lang="zh-CN" altLang="en-US" dirty="0"/>
+              <a:t>清除</a:t>
+            </a:r>
+            <a:endParaRPr lang="en-US" altLang="zh-CN" dirty="0" smtClean="0"/>
+          </a:p>
+          <a:p>
+            <a:pPr lvl="1"/>
+            <a:r>
+              <a:rPr lang="zh-CN" altLang="en-US" dirty="0"/>
+              <a:t>碎片</a:t>
+            </a:r>
+            <a:r>
+              <a:rPr lang="zh-CN" altLang="en-US" dirty="0" smtClean="0"/>
+              <a:t>化</a:t>
+            </a:r>
+            <a:endParaRPr lang="en-US" altLang="zh-CN" dirty="0" smtClean="0"/>
+          </a:p>
+          <a:p>
+            <a:pPr lvl="1"/>
+            <a:r>
+              <a:rPr lang="zh-CN" altLang="en-US" dirty="0" smtClean="0"/>
+              <a:t>通常使用</a:t>
+            </a:r>
+            <a:r>
+              <a:rPr lang="en-US" altLang="zh-CN" dirty="0" smtClean="0"/>
+              <a:t>Mark-Compact </a:t>
+            </a:r>
+            <a:r>
+              <a:rPr lang="zh-CN" altLang="en-US" dirty="0" smtClean="0"/>
+              <a:t>作为备份</a:t>
+            </a:r>
+            <a:endParaRPr lang="en-US" altLang="zh-CN" dirty="0" smtClean="0"/>
+          </a:p>
+          <a:p>
+            <a:r>
+              <a:rPr lang="en-US" altLang="zh-CN" dirty="0" smtClean="0"/>
+              <a:t>Mark-Compact</a:t>
+            </a:r>
+          </a:p>
+          <a:p>
+            <a:pPr lvl="1"/>
+            <a:r>
+              <a:rPr lang="zh-CN" altLang="en-US" dirty="0" smtClean="0"/>
+              <a:t>标记</a:t>
+            </a:r>
+            <a:r>
+              <a:rPr lang="zh-CN" altLang="en-US" dirty="0"/>
+              <a:t>整理</a:t>
+            </a:r>
+            <a:endParaRPr lang="en-US" altLang="zh-CN" dirty="0" smtClean="0"/>
+          </a:p>
+          <a:p>
+            <a:pPr lvl="1"/>
+            <a:r>
+              <a:rPr lang="zh-CN" altLang="en-US" dirty="0" smtClean="0"/>
+              <a:t>无碎片</a:t>
+            </a:r>
+            <a:r>
+              <a:rPr lang="zh-CN" altLang="en-US" dirty="0" smtClean="0"/>
+              <a:t>化</a:t>
+            </a:r>
+            <a:endParaRPr lang="zh-CN" altLang="en-US" dirty="0"/>
+          </a:p>
+        </p:txBody>
+      </p:sp>
+    </p:spTree>
+  </p:cSld>
+  <p:clrMapOvr>
+    <a:masterClrMapping/>
+  </p:clrMapOvr>
+</p:sld>
+</file>
+
+<file path=ppt/slides/slide20.xml><?xml version="1.0" encoding="utf-8"?>
+<p:sld xmlns:a="http://schemas.openxmlformats.org/drawingml/2006/main" xmlns:r="http://schemas.openxmlformats.org/officeDocument/2006/relationships" xmlns:p="http://schemas.openxmlformats.org/presentationml/2006/main">
+  <p:cSld>
+    <p:spTree>
+      <p:nvGrpSpPr>
+        <p:cNvPr id="1" name=""/>
+        <p:cNvGrpSpPr/>
+        <p:nvPr/>
+      </p:nvGrpSpPr>
+      <p:grpSpPr>
+        <a:xfrm>
+          <a:off x="0" y="0"/>
+          <a:ext cx="0" cy="0"/>
+          <a:chOff x="0" y="0"/>
+          <a:chExt cx="0" cy="0"/>
+        </a:xfrm>
+      </p:grpSpPr>
+      <p:sp>
+        <p:nvSpPr>
+          <p:cNvPr id="2" name="标题 1"/>
+          <p:cNvSpPr>
+            <a:spLocks noGrp="1"/>
+          </p:cNvSpPr>
+          <p:nvPr>
+            <p:ph type="title"/>
+          </p:nvPr>
+        </p:nvSpPr>
+        <p:spPr/>
+        <p:txBody>
+          <a:bodyPr/>
+          <a:lstStyle/>
+          <a:p>
+            <a:r>
+              <a:rPr lang="en-US" altLang="zh-CN" dirty="0" smtClean="0"/>
+              <a:t>GC Flag really do</a:t>
+            </a:r>
+            <a:endParaRPr lang="zh-CN" altLang="en-US" dirty="0"/>
+          </a:p>
+        </p:txBody>
+      </p:sp>
+      <p:sp>
+        <p:nvSpPr>
+          <p:cNvPr id="3" name="内容占位符 2"/>
+          <p:cNvSpPr>
+            <a:spLocks noGrp="1"/>
+          </p:cNvSpPr>
+          <p:nvPr>
+            <p:ph idx="1"/>
+          </p:nvPr>
+        </p:nvSpPr>
+        <p:spPr/>
+        <p:txBody>
+          <a:bodyPr>
+            <a:normAutofit fontScale="92500" lnSpcReduction="20000"/>
+          </a:bodyPr>
+          <a:lstStyle/>
+          <a:p>
+            <a:r>
+              <a:rPr lang="en-US" altLang="zh-CN" dirty="0" err="1"/>
+              <a:t>UseSerialGC</a:t>
+            </a:r>
+            <a:r>
+              <a:rPr lang="en-US" altLang="zh-CN" dirty="0"/>
+              <a:t> is "Serial" + "Serial </a:t>
+            </a:r>
+            <a:r>
+              <a:rPr lang="en-US" altLang="zh-CN" dirty="0" smtClean="0"/>
+              <a:t>Old“</a:t>
+            </a:r>
+          </a:p>
+          <a:p>
+            <a:r>
+              <a:rPr lang="en-US" altLang="zh-CN" dirty="0" err="1" smtClean="0"/>
+              <a:t>UseParNewGC</a:t>
+            </a:r>
+            <a:r>
+              <a:rPr lang="en-US" altLang="zh-CN" dirty="0" smtClean="0"/>
+              <a:t> </a:t>
+            </a:r>
+            <a:r>
+              <a:rPr lang="en-US" altLang="zh-CN" dirty="0"/>
+              <a:t>is "</a:t>
+            </a:r>
+            <a:r>
+              <a:rPr lang="en-US" altLang="zh-CN" dirty="0" err="1"/>
+              <a:t>ParNew</a:t>
+            </a:r>
+            <a:r>
+              <a:rPr lang="en-US" altLang="zh-CN" dirty="0"/>
+              <a:t>" + "Serial </a:t>
+            </a:r>
+            <a:r>
+              <a:rPr lang="en-US" altLang="zh-CN" dirty="0" smtClean="0"/>
+              <a:t>Old“</a:t>
+            </a:r>
+          </a:p>
+          <a:p>
+            <a:r>
+              <a:rPr lang="en-US" altLang="zh-CN" dirty="0" err="1" smtClean="0"/>
+              <a:t>UseConcMarkSweepGC</a:t>
+            </a:r>
+            <a:r>
+              <a:rPr lang="en-US" altLang="zh-CN" dirty="0" smtClean="0"/>
+              <a:t> </a:t>
+            </a:r>
+            <a:r>
+              <a:rPr lang="en-US" altLang="zh-CN" dirty="0"/>
+              <a:t>is "</a:t>
+            </a:r>
+            <a:r>
+              <a:rPr lang="en-US" altLang="zh-CN" dirty="0" err="1"/>
+              <a:t>ParNew</a:t>
+            </a:r>
+            <a:r>
+              <a:rPr lang="en-US" altLang="zh-CN" dirty="0"/>
+              <a:t>" + "CMS" + "Serial Old". </a:t>
+            </a:r>
+            <a:endParaRPr lang="en-US" altLang="zh-CN" dirty="0" smtClean="0"/>
+          </a:p>
+          <a:p>
+            <a:pPr lvl="1"/>
+            <a:r>
+              <a:rPr lang="en-US" altLang="zh-CN" dirty="0" smtClean="0"/>
+              <a:t>"</a:t>
+            </a:r>
+            <a:r>
+              <a:rPr lang="en-US" altLang="zh-CN" dirty="0"/>
+              <a:t>CMS" is used most of the time to collect the tenured generation</a:t>
+            </a:r>
+            <a:r>
+              <a:rPr lang="en-US" altLang="zh-CN" dirty="0" smtClean="0"/>
+              <a:t>.</a:t>
+            </a:r>
+          </a:p>
+          <a:p>
+            <a:pPr lvl="1"/>
+            <a:r>
+              <a:rPr lang="en-US" altLang="zh-CN" dirty="0" smtClean="0"/>
+              <a:t>"</a:t>
+            </a:r>
+            <a:r>
+              <a:rPr lang="en-US" altLang="zh-CN" dirty="0"/>
+              <a:t>Serial Old" is used when a concurrent mode failure occurs</a:t>
+            </a:r>
+            <a:r>
+              <a:rPr lang="en-US" altLang="zh-CN" dirty="0" smtClean="0"/>
+              <a:t>.</a:t>
+            </a:r>
+          </a:p>
+          <a:p>
+            <a:r>
+              <a:rPr lang="en-US" altLang="zh-CN" dirty="0" err="1" smtClean="0"/>
+              <a:t>UseParallelGC</a:t>
+            </a:r>
+            <a:r>
+              <a:rPr lang="en-US" altLang="zh-CN" dirty="0" smtClean="0"/>
+              <a:t> </a:t>
+            </a:r>
+            <a:r>
+              <a:rPr lang="en-US" altLang="zh-CN" dirty="0"/>
+              <a:t>is "Parallel Scavenge" + "Serial </a:t>
+            </a:r>
+            <a:r>
+              <a:rPr lang="en-US" altLang="zh-CN" dirty="0" err="1"/>
+              <a:t>Old"UseParallelOldGC</a:t>
+            </a:r>
+            <a:r>
+              <a:rPr lang="en-US" altLang="zh-CN" dirty="0"/>
+              <a:t> is "Parallel Scavenge" + "Parallel Old"</a:t>
+            </a:r>
+            <a:endParaRPr lang="zh-CN" altLang="en-US" dirty="0"/>
+          </a:p>
+        </p:txBody>
+      </p:sp>
+    </p:spTree>
+    <p:extLst>
+      <p:ext uri="{BB962C8B-B14F-4D97-AF65-F5344CB8AC3E}">
+        <p14:creationId xmlns:p14="http://schemas.microsoft.com/office/powerpoint/2010/main" val="343000248"/>
+      </p:ext>
+    </p:extLst>
+  </p:cSld>
+  <p:clrMapOvr>
+    <a:masterClrMapping/>
+  </p:clrMapOvr>
+</p:sld>
+</file>
+
+<file path=ppt/slides/slide21.xml><?xml version="1.0" encoding="utf-8"?>
+<p:sld xmlns:a="http://schemas.openxmlformats.org/drawingml/2006/main" xmlns:r="http://schemas.openxmlformats.org/officeDocument/2006/relationships" xmlns:p="http://schemas.openxmlformats.org/presentationml/2006/main">
+  <p:cSld>
+    <p:spTree>
+      <p:nvGrpSpPr>
+        <p:cNvPr id="1" name=""/>
+        <p:cNvGrpSpPr/>
+        <p:nvPr/>
+      </p:nvGrpSpPr>
+      <p:grpSpPr>
+        <a:xfrm>
+          <a:off x="0" y="0"/>
+          <a:ext cx="0" cy="0"/>
+          <a:chOff x="0" y="0"/>
+          <a:chExt cx="0" cy="0"/>
+        </a:xfrm>
+      </p:grpSpPr>
+      <p:sp>
+        <p:nvSpPr>
+          <p:cNvPr id="2" name="标题 1"/>
+          <p:cNvSpPr>
+            <a:spLocks noGrp="1"/>
+          </p:cNvSpPr>
+          <p:nvPr>
+            <p:ph type="title"/>
+          </p:nvPr>
+        </p:nvSpPr>
+        <p:spPr/>
+        <p:txBody>
+          <a:bodyPr/>
+          <a:lstStyle/>
+          <a:p>
+            <a:r>
+              <a:rPr lang="en-US" altLang="zh-CN" dirty="0" smtClean="0"/>
+              <a:t>JVM flag Case</a:t>
+            </a:r>
+            <a:endParaRPr lang="zh-CN" altLang="en-US" dirty="0"/>
+          </a:p>
+        </p:txBody>
+      </p:sp>
+      <p:sp>
+        <p:nvSpPr>
+          <p:cNvPr id="3" name="内容占位符 2"/>
+          <p:cNvSpPr>
+            <a:spLocks noGrp="1"/>
+          </p:cNvSpPr>
+          <p:nvPr>
+            <p:ph idx="1"/>
+          </p:nvPr>
+        </p:nvSpPr>
+        <p:spPr/>
+        <p:txBody>
+          <a:bodyPr/>
+          <a:lstStyle/>
+          <a:p>
+            <a:r>
+              <a:rPr lang="zh-CN" altLang="en-US" dirty="0" smtClean="0"/>
+              <a:t>使用线上机器的参数</a:t>
+            </a:r>
+            <a:endParaRPr lang="zh-CN" altLang="en-US" dirty="0"/>
+          </a:p>
+        </p:txBody>
+      </p:sp>
+    </p:spTree>
+    <p:extLst>
+      <p:ext uri="{BB962C8B-B14F-4D97-AF65-F5344CB8AC3E}">
+        <p14:creationId xmlns:p14="http://schemas.microsoft.com/office/powerpoint/2010/main" val="1595164953"/>
+      </p:ext>
+    </p:extLst>
+  </p:cSld>
+  <p:clrMapOvr>
+    <a:masterClrMapping/>
+  </p:clrMapOvr>
+</p:sld>
+</file>
+
+<file path=ppt/slides/slide22.xml><?xml version="1.0" encoding="utf-8"?>
+<p:sld xmlns:a="http://schemas.openxmlformats.org/drawingml/2006/main" xmlns:r="http://schemas.openxmlformats.org/officeDocument/2006/relationships" xmlns:p="http://schemas.openxmlformats.org/presentationml/2006/main">
+  <p:cSld>
+    <p:spTree>
+      <p:nvGrpSpPr>
+        <p:cNvPr id="1" name=""/>
+        <p:cNvGrpSpPr/>
+        <p:nvPr/>
+      </p:nvGrpSpPr>
+      <p:grpSpPr>
+        <a:xfrm>
+          <a:off x="0" y="0"/>
+          <a:ext cx="0" cy="0"/>
+          <a:chOff x="0" y="0"/>
+          <a:chExt cx="0" cy="0"/>
+        </a:xfrm>
+      </p:grpSpPr>
+      <p:sp>
+        <p:nvSpPr>
+          <p:cNvPr id="2" name="标题 1"/>
+          <p:cNvSpPr>
+            <a:spLocks noGrp="1"/>
+          </p:cNvSpPr>
+          <p:nvPr>
+            <p:ph type="title"/>
+          </p:nvPr>
+        </p:nvSpPr>
+        <p:spPr/>
+        <p:txBody>
+          <a:bodyPr/>
+          <a:lstStyle/>
+          <a:p>
+            <a:r>
+              <a:rPr lang="en-US" altLang="zh-CN" dirty="0" smtClean="0"/>
+              <a:t>GC in </a:t>
+            </a:r>
+            <a:r>
+              <a:rPr lang="en-US" altLang="zh-CN" dirty="0" err="1" smtClean="0"/>
+              <a:t>JRockit</a:t>
+            </a:r>
+            <a:r>
+              <a:rPr lang="en-US" altLang="zh-CN" dirty="0" smtClean="0"/>
+              <a:t> VM</a:t>
+            </a:r>
+            <a:endParaRPr lang="zh-CN" altLang="en-US" dirty="0"/>
+          </a:p>
+        </p:txBody>
+      </p:sp>
+      <p:sp>
+        <p:nvSpPr>
+          <p:cNvPr id="3" name="内容占位符 2"/>
+          <p:cNvSpPr>
+            <a:spLocks noGrp="1"/>
+          </p:cNvSpPr>
+          <p:nvPr>
+            <p:ph idx="1"/>
+          </p:nvPr>
+        </p:nvSpPr>
+        <p:spPr/>
+        <p:txBody>
+          <a:bodyPr>
+            <a:normAutofit/>
+          </a:bodyPr>
+          <a:lstStyle/>
+          <a:p>
+            <a:r>
+              <a:rPr lang="en-US" altLang="zh-CN" dirty="0" smtClean="0"/>
+              <a:t>R27:</a:t>
+            </a:r>
+            <a:r>
+              <a:rPr lang="zh-CN" altLang="en-US" dirty="0" smtClean="0"/>
+              <a:t>自动根据</a:t>
+            </a:r>
+            <a:r>
+              <a:rPr lang="zh-CN" altLang="en-US" dirty="0" smtClean="0"/>
+              <a:t>热点代码来选择</a:t>
+            </a:r>
+            <a:r>
+              <a:rPr lang="en-US" altLang="zh-CN" dirty="0" smtClean="0"/>
+              <a:t>GC</a:t>
+            </a:r>
+          </a:p>
+          <a:p>
+            <a:r>
+              <a:rPr lang="en-US" altLang="zh-CN" dirty="0" smtClean="0"/>
+              <a:t>R28</a:t>
+            </a:r>
+            <a:r>
+              <a:rPr lang="zh-CN" altLang="en-US" dirty="0" smtClean="0"/>
+              <a:t>：移除自动选择策略，需要在启动</a:t>
+            </a:r>
+            <a:r>
+              <a:rPr lang="en-US" altLang="zh-CN" dirty="0" smtClean="0"/>
+              <a:t>flag</a:t>
+            </a:r>
+            <a:r>
+              <a:rPr lang="zh-CN" altLang="en-US" dirty="0" smtClean="0"/>
+              <a:t>中指定。默认是</a:t>
+            </a:r>
+            <a:r>
+              <a:rPr lang="en-US" altLang="zh-CN" dirty="0" smtClean="0"/>
+              <a:t>T</a:t>
+            </a:r>
+            <a:r>
+              <a:rPr lang="en-US" altLang="zh-CN" dirty="0" smtClean="0"/>
+              <a:t>hroughput </a:t>
+            </a:r>
+            <a:r>
+              <a:rPr lang="en-US" altLang="zh-CN" dirty="0" err="1" smtClean="0"/>
+              <a:t>gc</a:t>
+            </a:r>
+            <a:r>
+              <a:rPr lang="zh-CN" altLang="en-US" dirty="0" smtClean="0"/>
+              <a:t>。</a:t>
+            </a:r>
+            <a:endParaRPr lang="en-US" altLang="zh-CN" dirty="0" smtClean="0"/>
+          </a:p>
+          <a:p>
+            <a:r>
+              <a:rPr lang="en-US" altLang="zh-CN" dirty="0" smtClean="0"/>
+              <a:t>+</a:t>
+            </a:r>
+            <a:r>
+              <a:rPr lang="en-US" altLang="zh-CN" dirty="0" err="1" smtClean="0"/>
+              <a:t>Xgc</a:t>
+            </a:r>
+            <a:r>
+              <a:rPr lang="en-US" altLang="zh-CN" dirty="0" err="1" smtClean="0"/>
+              <a:t>Prio:throughput</a:t>
+            </a:r>
+            <a:endParaRPr lang="en-US" altLang="zh-CN" dirty="0" smtClean="0"/>
+          </a:p>
+          <a:p>
+            <a:r>
+              <a:rPr lang="en-US" altLang="zh-CN" dirty="0" smtClean="0"/>
+              <a:t>+</a:t>
+            </a:r>
+            <a:r>
+              <a:rPr lang="en-US" altLang="zh-CN" dirty="0" err="1" smtClean="0"/>
+              <a:t>XgcPrio:pausetime</a:t>
+            </a:r>
+            <a:endParaRPr lang="en-US" altLang="zh-CN" dirty="0" smtClean="0"/>
+          </a:p>
+          <a:p>
+            <a:r>
+              <a:rPr lang="en-US" altLang="zh-CN" dirty="0" smtClean="0"/>
+              <a:t>+</a:t>
+            </a:r>
+            <a:r>
+              <a:rPr lang="en-US" altLang="zh-CN" dirty="0" err="1" smtClean="0"/>
+              <a:t>XgcPrio:deterministic</a:t>
+            </a:r>
+            <a:r>
+              <a:rPr lang="en-US" altLang="zh-CN" dirty="0" smtClean="0"/>
+              <a:t> real time </a:t>
+            </a:r>
+            <a:r>
+              <a:rPr lang="zh-CN" altLang="en-US" dirty="0" smtClean="0"/>
+              <a:t>实时回收器</a:t>
+            </a:r>
+            <a:endParaRPr lang="en-US" altLang="zh-CN" dirty="0"/>
+          </a:p>
+          <a:p>
+            <a:r>
+              <a:rPr lang="en-US" altLang="zh-CN" dirty="0" smtClean="0"/>
+              <a:t>+XpauseTarget:5ms work </a:t>
+            </a:r>
+            <a:r>
+              <a:rPr lang="en-US" altLang="zh-CN" dirty="0"/>
+              <a:t>only </a:t>
+            </a:r>
+            <a:r>
+              <a:rPr lang="en-US" altLang="zh-CN" dirty="0" err="1" smtClean="0"/>
+              <a:t>pausetime</a:t>
+            </a:r>
+            <a:r>
+              <a:rPr lang="en-US" altLang="zh-CN" dirty="0" smtClean="0"/>
+              <a:t> &amp; </a:t>
+            </a:r>
+            <a:r>
+              <a:rPr lang="en-US" altLang="zh-CN" dirty="0"/>
+              <a:t>deterministic</a:t>
+            </a:r>
+            <a:endParaRPr lang="en-US" altLang="zh-CN" dirty="0" smtClean="0"/>
+          </a:p>
+        </p:txBody>
+      </p:sp>
+    </p:spTree>
+  </p:cSld>
+  <p:clrMapOvr>
+    <a:masterClrMapping/>
+  </p:clrMapOvr>
+</p:sld>
+</file>
+
+<file path=ppt/slides/slide23.xml><?xml version="1.0" encoding="utf-8"?>
+<p:sld xmlns:a="http://schemas.openxmlformats.org/drawingml/2006/main" xmlns:r="http://schemas.openxmlformats.org/officeDocument/2006/relationships" xmlns:p="http://schemas.openxmlformats.org/presentationml/2006/main">
+  <p:cSld>
+    <p:spTree>
+      <p:nvGrpSpPr>
+        <p:cNvPr id="1" name=""/>
+        <p:cNvGrpSpPr/>
+        <p:nvPr/>
+      </p:nvGrpSpPr>
+      <p:grpSpPr>
+        <a:xfrm>
+          <a:off x="0" y="0"/>
+          <a:ext cx="0" cy="0"/>
+          <a:chOff x="0" y="0"/>
+          <a:chExt cx="0" cy="0"/>
+        </a:xfrm>
+      </p:grpSpPr>
+      <p:sp>
+        <p:nvSpPr>
+          <p:cNvPr id="2" name="标题 1"/>
+          <p:cNvSpPr>
+            <a:spLocks noGrp="1"/>
+          </p:cNvSpPr>
+          <p:nvPr>
+            <p:ph type="title"/>
+          </p:nvPr>
+        </p:nvSpPr>
+        <p:spPr/>
+        <p:txBody>
+          <a:bodyPr/>
+          <a:lstStyle/>
+          <a:p>
+            <a:r>
+              <a:rPr lang="en-US" altLang="zh-CN" dirty="0" smtClean="0"/>
+              <a:t>GC in IBM J9 </a:t>
+            </a:r>
+            <a:r>
+              <a:rPr lang="en-US" altLang="zh-CN" dirty="0" smtClean="0"/>
+              <a:t>VM</a:t>
+            </a:r>
+            <a:endParaRPr lang="zh-CN" altLang="en-US" dirty="0"/>
+          </a:p>
+        </p:txBody>
+      </p:sp>
+      <p:sp>
+        <p:nvSpPr>
+          <p:cNvPr id="3" name="内容占位符 2"/>
+          <p:cNvSpPr>
+            <a:spLocks noGrp="1"/>
+          </p:cNvSpPr>
+          <p:nvPr>
+            <p:ph idx="1"/>
+          </p:nvPr>
+        </p:nvSpPr>
+        <p:spPr/>
+        <p:txBody>
+          <a:bodyPr>
+            <a:normAutofit fontScale="92500" lnSpcReduction="10000"/>
+          </a:bodyPr>
+          <a:lstStyle/>
+          <a:p>
+            <a:r>
+              <a:rPr lang="en-US" b="1" dirty="0" err="1"/>
+              <a:t>Xgcpolicy</a:t>
+            </a:r>
+            <a:r>
+              <a:rPr lang="en-US" dirty="0"/>
+              <a:t> </a:t>
+            </a:r>
+            <a:endParaRPr lang="en-US" dirty="0" smtClean="0"/>
+          </a:p>
+          <a:p>
+            <a:pPr lvl="1"/>
+            <a:r>
+              <a:rPr lang="zh-CN" altLang="en-US" dirty="0" smtClean="0"/>
+              <a:t>隐藏细节，方便使用</a:t>
+            </a:r>
+            <a:r>
+              <a:rPr lang="en-US" altLang="zh-CN" dirty="0" smtClean="0"/>
+              <a:t>,</a:t>
+            </a:r>
+            <a:r>
+              <a:rPr lang="zh-CN" altLang="en-US" dirty="0" smtClean="0"/>
+              <a:t>最终用户不需要知道内部实现细节</a:t>
+            </a:r>
+            <a:endParaRPr lang="en-US" altLang="zh-CN" dirty="0"/>
+          </a:p>
+          <a:p>
+            <a:pPr lvl="1"/>
+            <a:r>
+              <a:rPr lang="en-US" altLang="zh-CN" dirty="0" smtClean="0"/>
+              <a:t>-</a:t>
+            </a:r>
+            <a:r>
+              <a:rPr lang="en-US" altLang="zh-CN" dirty="0" err="1" smtClean="0"/>
+              <a:t>Xgcpolicy:gencon</a:t>
+            </a:r>
+            <a:endParaRPr lang="en-US" altLang="zh-CN" dirty="0" smtClean="0"/>
+          </a:p>
+          <a:p>
+            <a:pPr lvl="2"/>
+            <a:r>
+              <a:rPr lang="en-US" altLang="zh-CN" dirty="0" smtClean="0"/>
+              <a:t>Low pause</a:t>
+            </a:r>
+          </a:p>
+          <a:p>
+            <a:pPr lvl="1"/>
+            <a:r>
+              <a:rPr lang="en-US" altLang="zh-CN" dirty="0" smtClean="0"/>
+              <a:t>-</a:t>
+            </a:r>
+            <a:r>
+              <a:rPr lang="en-US" altLang="zh-CN" dirty="0" err="1" smtClean="0"/>
+              <a:t>Xgcpolicy:Optthroughtput</a:t>
+            </a:r>
+            <a:endParaRPr lang="en-US" altLang="zh-CN" dirty="0" smtClean="0"/>
+          </a:p>
+          <a:p>
+            <a:pPr lvl="2"/>
+            <a:r>
+              <a:rPr lang="en-US" altLang="zh-CN" dirty="0" err="1" smtClean="0"/>
+              <a:t>Optlimized</a:t>
+            </a:r>
+            <a:r>
+              <a:rPr lang="en-US" altLang="zh-CN" dirty="0" smtClean="0"/>
+              <a:t> for </a:t>
+            </a:r>
+            <a:r>
+              <a:rPr lang="en-US" altLang="zh-CN" dirty="0" err="1" smtClean="0"/>
+              <a:t>throughtput</a:t>
+            </a:r>
+            <a:endParaRPr lang="en-US" altLang="zh-CN" dirty="0" smtClean="0"/>
+          </a:p>
+          <a:p>
+            <a:pPr lvl="1"/>
+            <a:r>
+              <a:rPr lang="en-US" altLang="zh-CN" dirty="0" smtClean="0"/>
+              <a:t>-</a:t>
+            </a:r>
+            <a:r>
+              <a:rPr lang="en-US" altLang="zh-CN" dirty="0" err="1" smtClean="0"/>
+              <a:t>Xgcpolicy:Subpool</a:t>
+            </a:r>
+            <a:endParaRPr lang="en-US" altLang="zh-CN" dirty="0" smtClean="0"/>
+          </a:p>
+          <a:p>
+            <a:pPr lvl="2"/>
+            <a:r>
+              <a:rPr lang="en-US" dirty="0"/>
+              <a:t>deprecated </a:t>
+            </a:r>
+            <a:r>
+              <a:rPr lang="en-US" dirty="0" smtClean="0"/>
+              <a:t>.use </a:t>
+            </a:r>
+            <a:r>
+              <a:rPr lang="en-US" altLang="zh-CN" dirty="0" err="1" smtClean="0"/>
+              <a:t>Optthroughput</a:t>
+            </a:r>
+            <a:r>
+              <a:rPr lang="en-US" altLang="zh-CN" dirty="0" smtClean="0"/>
+              <a:t>.</a:t>
+            </a:r>
+          </a:p>
+          <a:p>
+            <a:pPr lvl="1"/>
+            <a:r>
+              <a:rPr lang="en-US" altLang="zh-CN" dirty="0" smtClean="0"/>
+              <a:t>-</a:t>
+            </a:r>
+            <a:r>
+              <a:rPr lang="en-US" altLang="zh-CN" dirty="0" err="1" smtClean="0"/>
+              <a:t>Xgcpolicy:balanced</a:t>
+            </a:r>
+            <a:endParaRPr lang="en-US" altLang="zh-CN" dirty="0"/>
+          </a:p>
+          <a:p>
+            <a:pPr lvl="2"/>
+            <a:r>
+              <a:rPr lang="en-US" altLang="zh-CN" dirty="0" smtClean="0"/>
+              <a:t>New </a:t>
+            </a:r>
+            <a:r>
+              <a:rPr lang="en-US" altLang="zh-CN" dirty="0" err="1" smtClean="0"/>
+              <a:t>gc</a:t>
+            </a:r>
+            <a:r>
+              <a:rPr lang="en-US" altLang="zh-CN" dirty="0" smtClean="0"/>
+              <a:t> policy , like G1</a:t>
+            </a:r>
+          </a:p>
+        </p:txBody>
+      </p:sp>
+    </p:spTree>
+  </p:cSld>
+  <p:clrMapOvr>
+    <a:masterClrMapping/>
+  </p:clrMapOvr>
+</p:sld>
+</file>
+
+<file path=ppt/slides/slide24.xml><?xml version="1.0" encoding="utf-8"?>
+<p:sld xmlns:a="http://schemas.openxmlformats.org/drawingml/2006/main" xmlns:r="http://schemas.openxmlformats.org/officeDocument/2006/relationships" xmlns:p="http://schemas.openxmlformats.org/presentationml/2006/main">
+  <p:cSld>
+    <p:spTree>
+      <p:nvGrpSpPr>
+        <p:cNvPr id="1" name=""/>
+        <p:cNvGrpSpPr/>
+        <p:nvPr/>
+      </p:nvGrpSpPr>
+      <p:grpSpPr>
+        <a:xfrm>
+          <a:off x="0" y="0"/>
+          <a:ext cx="0" cy="0"/>
+          <a:chOff x="0" y="0"/>
+          <a:chExt cx="0" cy="0"/>
+        </a:xfrm>
+      </p:grpSpPr>
+      <p:sp>
+        <p:nvSpPr>
+          <p:cNvPr id="2" name="标题 1"/>
+          <p:cNvSpPr>
+            <a:spLocks noGrp="1"/>
+          </p:cNvSpPr>
+          <p:nvPr>
+            <p:ph type="title"/>
+          </p:nvPr>
+        </p:nvSpPr>
+        <p:spPr/>
+        <p:txBody>
+          <a:bodyPr/>
+          <a:lstStyle/>
+          <a:p>
+            <a:r>
+              <a:rPr lang="en-US" altLang="zh-CN" dirty="0" smtClean="0"/>
+              <a:t>GC in Zing VM</a:t>
+            </a:r>
+            <a:endParaRPr lang="zh-CN" altLang="en-US" dirty="0"/>
+          </a:p>
+        </p:txBody>
+      </p:sp>
+      <p:sp>
+        <p:nvSpPr>
+          <p:cNvPr id="3" name="内容占位符 2"/>
+          <p:cNvSpPr>
+            <a:spLocks noGrp="1"/>
+          </p:cNvSpPr>
+          <p:nvPr>
+            <p:ph idx="1"/>
+          </p:nvPr>
+        </p:nvSpPr>
+        <p:spPr/>
+        <p:txBody>
+          <a:bodyPr/>
+          <a:lstStyle/>
+          <a:p>
+            <a:r>
+              <a:rPr lang="en-US" altLang="zh-CN" dirty="0" smtClean="0"/>
+              <a:t>C4 GC - </a:t>
+            </a:r>
+            <a:r>
+              <a:rPr lang="en-US" dirty="0"/>
+              <a:t>Continuously Concurrent Compacting </a:t>
+            </a:r>
+            <a:r>
+              <a:rPr lang="en-US" dirty="0" smtClean="0"/>
+              <a:t>Collector</a:t>
+            </a:r>
+          </a:p>
+          <a:p>
+            <a:r>
+              <a:rPr lang="en-US" altLang="zh-CN" dirty="0" smtClean="0"/>
+              <a:t>Solve all </a:t>
+            </a:r>
+            <a:r>
+              <a:rPr lang="en-US" altLang="zh-CN" dirty="0" err="1" smtClean="0"/>
+              <a:t>gc</a:t>
+            </a:r>
+            <a:r>
+              <a:rPr lang="en-US" altLang="zh-CN" dirty="0" smtClean="0"/>
+              <a:t> problem</a:t>
+            </a:r>
+            <a:endParaRPr lang="en-US" dirty="0" smtClean="0"/>
+          </a:p>
+          <a:p>
+            <a:r>
+              <a:rPr lang="zh-CN" altLang="en-US" dirty="0" smtClean="0"/>
+              <a:t>完美无瑕，无懈可击：你根本无法想象这个东西是怎么被设计出来的。</a:t>
+            </a:r>
+            <a:endParaRPr lang="zh-CN" altLang="en-US" dirty="0"/>
+          </a:p>
+        </p:txBody>
+      </p:sp>
+    </p:spTree>
+  </p:cSld>
+  <p:clrMapOvr>
+    <a:masterClrMapping/>
+  </p:clrMapOvr>
+</p:sld>
+</file>
+
+<file path=ppt/slides/slide25.xml><?xml version="1.0" encoding="utf-8"?>
+<p:sld xmlns:a="http://schemas.openxmlformats.org/drawingml/2006/main" xmlns:r="http://schemas.openxmlformats.org/officeDocument/2006/relationships" xmlns:p="http://schemas.openxmlformats.org/presentationml/2006/main">
+  <p:cSld>
+    <p:spTree>
+      <p:nvGrpSpPr>
+        <p:cNvPr id="1" name=""/>
+        <p:cNvGrpSpPr/>
+        <p:nvPr/>
+      </p:nvGrpSpPr>
+      <p:grpSpPr>
+        <a:xfrm>
+          <a:off x="0" y="0"/>
+          <a:ext cx="0" cy="0"/>
+          <a:chOff x="0" y="0"/>
+          <a:chExt cx="0" cy="0"/>
+        </a:xfrm>
+      </p:grpSpPr>
+      <p:sp>
+        <p:nvSpPr>
+          <p:cNvPr id="2" name="标题 1"/>
+          <p:cNvSpPr>
+            <a:spLocks noGrp="1"/>
+          </p:cNvSpPr>
+          <p:nvPr>
+            <p:ph type="title"/>
+          </p:nvPr>
+        </p:nvSpPr>
+        <p:spPr/>
+        <p:txBody>
+          <a:bodyPr/>
+          <a:lstStyle/>
+          <a:p>
+            <a:r>
+              <a:rPr lang="en-US" altLang="zh-CN" dirty="0" smtClean="0"/>
+              <a:t>C4 Collector</a:t>
+            </a:r>
+            <a:endParaRPr lang="zh-CN" altLang="en-US" dirty="0"/>
+          </a:p>
+        </p:txBody>
+      </p:sp>
+      <p:sp>
+        <p:nvSpPr>
+          <p:cNvPr id="3" name="内容占位符 2"/>
+          <p:cNvSpPr>
+            <a:spLocks noGrp="1"/>
+          </p:cNvSpPr>
+          <p:nvPr>
+            <p:ph idx="1"/>
+          </p:nvPr>
+        </p:nvSpPr>
+        <p:spPr/>
+        <p:txBody>
+          <a:bodyPr/>
+          <a:lstStyle/>
+          <a:p>
+            <a:r>
+              <a:rPr lang="en-US" altLang="zh-CN" dirty="0" smtClean="0">
+                <a:solidFill>
+                  <a:srgbClr val="92D050"/>
+                </a:solidFill>
+              </a:rPr>
+              <a:t>Concurrent , compacting  </a:t>
+            </a:r>
+            <a:r>
+              <a:rPr lang="zh-CN" altLang="en-US" dirty="0" smtClean="0"/>
+              <a:t>新生代</a:t>
+            </a:r>
+            <a:endParaRPr lang="en-US" altLang="zh-CN" dirty="0" smtClean="0"/>
+          </a:p>
+          <a:p>
+            <a:r>
+              <a:rPr lang="en-US" altLang="zh-CN" dirty="0" smtClean="0">
+                <a:solidFill>
+                  <a:srgbClr val="92D050"/>
+                </a:solidFill>
+              </a:rPr>
+              <a:t>Concurrent , compacting </a:t>
+            </a:r>
+            <a:r>
+              <a:rPr lang="zh-CN" altLang="en-US" dirty="0"/>
+              <a:t>老</a:t>
+            </a:r>
+            <a:r>
+              <a:rPr lang="zh-CN" altLang="en-US" dirty="0" smtClean="0"/>
+              <a:t>年代</a:t>
+            </a:r>
+            <a:endParaRPr lang="en-US" altLang="zh-CN" dirty="0" smtClean="0"/>
+          </a:p>
+          <a:p>
+            <a:r>
+              <a:rPr lang="en-US" altLang="zh-CN" dirty="0" smtClean="0">
+                <a:solidFill>
+                  <a:srgbClr val="92D050"/>
+                </a:solidFill>
+              </a:rPr>
+              <a:t>No Stop-The-World </a:t>
+            </a:r>
+            <a:r>
+              <a:rPr lang="zh-CN" altLang="en-US" dirty="0" smtClean="0"/>
+              <a:t>回退</a:t>
+            </a:r>
+            <a:endParaRPr lang="en-US" altLang="zh-CN" dirty="0" smtClean="0"/>
+          </a:p>
+          <a:p>
+            <a:pPr lvl="1"/>
+            <a:r>
+              <a:rPr lang="zh-CN" altLang="en-US" dirty="0" smtClean="0"/>
+              <a:t>永远并发，永远压缩</a:t>
+            </a:r>
+            <a:endParaRPr lang="en-US" altLang="zh-CN" dirty="0" smtClean="0"/>
+          </a:p>
+          <a:p>
+            <a:pPr lvl="1"/>
+            <a:endParaRPr lang="en-US" altLang="zh-CN" dirty="0"/>
+          </a:p>
+          <a:p>
+            <a:pPr marL="342900" lvl="1" indent="-342900">
+              <a:buFont typeface="Arial" pitchFamily="34" charset="0"/>
+              <a:buChar char="•"/>
+            </a:pPr>
+            <a:r>
+              <a:rPr lang="en-US" altLang="zh-CN" sz="3200" dirty="0">
+                <a:solidFill>
+                  <a:srgbClr val="92D050"/>
+                </a:solidFill>
+              </a:rPr>
+              <a:t>Java –</a:t>
+            </a:r>
+            <a:r>
+              <a:rPr lang="en-US" altLang="zh-CN" sz="3200" dirty="0" smtClean="0">
+                <a:solidFill>
+                  <a:srgbClr val="92D050"/>
+                </a:solidFill>
+              </a:rPr>
+              <a:t>Xmx40g</a:t>
+            </a:r>
+          </a:p>
+          <a:p>
+            <a:pPr marL="742950" lvl="2" indent="-342900"/>
+            <a:r>
+              <a:rPr lang="en-US" altLang="zh-CN" dirty="0" smtClean="0">
+                <a:solidFill>
+                  <a:srgbClr val="92D050"/>
+                </a:solidFill>
+              </a:rPr>
+              <a:t>simple</a:t>
+            </a:r>
+            <a:endParaRPr lang="zh-CN" altLang="en-US" dirty="0">
+              <a:solidFill>
+                <a:srgbClr val="92D050"/>
+              </a:solidFill>
+            </a:endParaRPr>
+          </a:p>
+        </p:txBody>
+      </p:sp>
+    </p:spTree>
+    <p:extLst>
+      <p:ext uri="{BB962C8B-B14F-4D97-AF65-F5344CB8AC3E}">
+        <p14:creationId xmlns:p14="http://schemas.microsoft.com/office/powerpoint/2010/main" val="1560111859"/>
+      </p:ext>
+    </p:extLst>
+  </p:cSld>
+  <p:clrMapOvr>
+    <a:masterClrMapping/>
+  </p:clrMapOvr>
+</p:sld>
+</file>
+
+<file path=ppt/slides/slide26.xml><?xml version="1.0" encoding="utf-8"?>
+<p:sld xmlns:a="http://schemas.openxmlformats.org/drawingml/2006/main" xmlns:r="http://schemas.openxmlformats.org/officeDocument/2006/relationships" xmlns:p="http://schemas.openxmlformats.org/presentationml/2006/main">
+  <p:cSld>
+    <p:spTree>
+      <p:nvGrpSpPr>
+        <p:cNvPr id="1" name=""/>
+        <p:cNvGrpSpPr/>
+        <p:nvPr/>
+      </p:nvGrpSpPr>
+      <p:grpSpPr>
+        <a:xfrm>
+          <a:off x="0" y="0"/>
+          <a:ext cx="0" cy="0"/>
+          <a:chOff x="0" y="0"/>
+          <a:chExt cx="0" cy="0"/>
+        </a:xfrm>
+      </p:grpSpPr>
+      <p:sp>
+        <p:nvSpPr>
+          <p:cNvPr id="2" name="标题 1"/>
+          <p:cNvSpPr>
+            <a:spLocks noGrp="1"/>
+          </p:cNvSpPr>
+          <p:nvPr>
+            <p:ph type="title"/>
+          </p:nvPr>
+        </p:nvSpPr>
+        <p:spPr/>
+        <p:txBody>
+          <a:bodyPr/>
+          <a:lstStyle/>
+          <a:p>
+            <a:r>
+              <a:rPr lang="en-US" altLang="zh-CN" dirty="0" smtClean="0"/>
+              <a:t>Do it yourself</a:t>
+            </a:r>
+            <a:endParaRPr lang="zh-CN" altLang="en-US" dirty="0"/>
+          </a:p>
+        </p:txBody>
+      </p:sp>
+      <p:sp>
+        <p:nvSpPr>
+          <p:cNvPr id="3" name="内容占位符 2"/>
+          <p:cNvSpPr>
+            <a:spLocks noGrp="1"/>
+          </p:cNvSpPr>
+          <p:nvPr>
+            <p:ph idx="1"/>
+          </p:nvPr>
+        </p:nvSpPr>
+        <p:spPr/>
+        <p:txBody>
+          <a:bodyPr/>
+          <a:lstStyle/>
+          <a:p>
+            <a:r>
+              <a:rPr lang="en-US" altLang="zh-CN" dirty="0" smtClean="0"/>
+              <a:t> +XX:+</a:t>
+            </a:r>
+            <a:r>
+              <a:rPr lang="en-US" altLang="zh-CN" dirty="0" err="1" smtClean="0"/>
+              <a:t>PrintGCDetails</a:t>
+            </a:r>
+            <a:endParaRPr lang="en-US" altLang="zh-CN" dirty="0" smtClean="0"/>
+          </a:p>
+          <a:p>
+            <a:r>
+              <a:rPr lang="en-US" altLang="zh-CN" dirty="0"/>
+              <a:t>-</a:t>
+            </a:r>
+            <a:r>
+              <a:rPr lang="en-US" altLang="zh-CN" dirty="0" err="1"/>
+              <a:t>Xloggc</a:t>
+            </a:r>
+            <a:r>
+              <a:rPr lang="en-US" altLang="zh-CN" dirty="0" smtClean="0"/>
+              <a:t>:/opt/logs/gc.log</a:t>
+            </a:r>
+          </a:p>
+          <a:p>
+            <a:r>
+              <a:rPr lang="en-US" altLang="zh-CN" dirty="0" smtClean="0"/>
+              <a:t>-XX</a:t>
+            </a:r>
+            <a:r>
+              <a:rPr lang="en-US" altLang="zh-CN" dirty="0"/>
+              <a:t>:+</a:t>
+            </a:r>
+            <a:r>
+              <a:rPr lang="en-US" altLang="zh-CN" dirty="0" err="1" smtClean="0"/>
+              <a:t>PrintGCTimeStamps</a:t>
+            </a:r>
+            <a:endParaRPr lang="zh-CN" altLang="en-US" dirty="0"/>
+          </a:p>
+        </p:txBody>
+      </p:sp>
+    </p:spTree>
+    <p:extLst>
+      <p:ext uri="{BB962C8B-B14F-4D97-AF65-F5344CB8AC3E}">
+        <p14:creationId xmlns:p14="http://schemas.microsoft.com/office/powerpoint/2010/main" val="1514018965"/>
+      </p:ext>
+    </p:extLst>
+  </p:cSld>
+  <p:clrMapOvr>
+    <a:masterClrMapping/>
+  </p:clrMapOvr>
+</p:sld>
+</file>
+
+<file path=ppt/slides/slide27.xml><?xml version="1.0" encoding="utf-8"?>
+<p:sld xmlns:a="http://schemas.openxmlformats.org/drawingml/2006/main" xmlns:r="http://schemas.openxmlformats.org/officeDocument/2006/relationships" xmlns:p="http://schemas.openxmlformats.org/presentationml/2006/main">
+  <p:cSld>
+    <p:spTree>
+      <p:nvGrpSpPr>
+        <p:cNvPr id="1" name=""/>
+        <p:cNvGrpSpPr/>
+        <p:nvPr/>
+      </p:nvGrpSpPr>
+      <p:grpSpPr>
+        <a:xfrm>
+          <a:off x="0" y="0"/>
+          <a:ext cx="0" cy="0"/>
+          <a:chOff x="0" y="0"/>
+          <a:chExt cx="0" cy="0"/>
+        </a:xfrm>
+      </p:grpSpPr>
+      <p:sp>
+        <p:nvSpPr>
+          <p:cNvPr id="2" name="标题 1"/>
+          <p:cNvSpPr>
+            <a:spLocks noGrp="1"/>
+          </p:cNvSpPr>
+          <p:nvPr>
+            <p:ph type="title"/>
+          </p:nvPr>
+        </p:nvSpPr>
+        <p:spPr/>
+        <p:txBody>
+          <a:bodyPr/>
+          <a:lstStyle/>
+          <a:p>
+            <a:r>
+              <a:rPr lang="en-US" altLang="zh-CN" dirty="0" smtClean="0"/>
               <a:t>GC </a:t>
             </a:r>
             <a:r>
@@ -3770,7 +5959,11 @@
             <a:pPr lvl="1"/>
             <a:r>
               <a:rPr lang="en-US" altLang="zh-CN" dirty="0" smtClean="0"/>
-              <a:t>Visual GC</a:t>
+              <a:t>Visual </a:t>
+            </a:r>
+            <a:r>
+              <a:rPr lang="en-US" altLang="zh-CN" dirty="0" smtClean="0"/>
+              <a:t>GC</a:t>
             </a:r>
             <a:endParaRPr lang="zh-CN" altLang="en-US" dirty="0"/>
           </a:p>
@@ -3817,7 +6010,7 @@
 </p:sld>
 </file>
 
-<file path=ppt/slides/slide15.xml><?xml version="1.0" encoding="utf-8"?>
+<file path=ppt/slides/slide28.xml><?xml version="1.0" encoding="utf-8"?>
 <p:sld xmlns:a="http://schemas.openxmlformats.org/drawingml/2006/main" xmlns:r="http://schemas.openxmlformats.org/officeDocument/2006/relationships" xmlns:p="http://schemas.openxmlformats.org/presentationml/2006/main">
   <p:cSld>
     <p:spTree>
@@ -3878,8 +6071,40 @@
           <a:p>
             <a:r>
               <a:rPr lang="en-US" altLang="zh-CN" dirty="0" smtClean="0"/>
-              <a:t>JFX-MEM</a:t>
-            </a:r>
+              <a:t>JFX-MEM(</a:t>
+            </a:r>
+            <a:r>
+              <a:rPr lang="en-US" altLang="zh-CN" dirty="0" err="1" smtClean="0"/>
+              <a:t>javaFX</a:t>
+            </a:r>
+            <a:r>
+              <a:rPr lang="en-US" altLang="zh-CN" dirty="0" smtClean="0"/>
+              <a:t> memory demo)</a:t>
+            </a:r>
+          </a:p>
+          <a:p>
+            <a:pPr lvl="1"/>
+            <a:r>
+              <a:rPr lang="zh-CN" altLang="en-US" dirty="0" smtClean="0"/>
+              <a:t>模拟</a:t>
+            </a:r>
+            <a:r>
+              <a:rPr lang="en-US" altLang="zh-CN" dirty="0" err="1" smtClean="0"/>
+              <a:t>HotSpot</a:t>
+            </a:r>
+            <a:r>
+              <a:rPr lang="zh-CN" altLang="en-US" dirty="0" smtClean="0"/>
+              <a:t>的</a:t>
+            </a:r>
+            <a:r>
+              <a:rPr lang="zh-CN" altLang="en-US" dirty="0" smtClean="0"/>
+              <a:t>对象晋升和常规回收器</a:t>
+            </a:r>
+            <a:endParaRPr lang="en-US" altLang="zh-CN" dirty="0" smtClean="0"/>
+          </a:p>
+          <a:p>
+            <a:pPr lvl="1"/>
+            <a:endParaRPr lang="en-US" altLang="zh-CN" dirty="0" smtClean="0"/>
           </a:p>
           <a:p>
             <a:pPr lvl="1"/>
@@ -3895,7 +6120,7 @@
 </p:sld>
 </file>
 
-<file path=ppt/slides/slide16.xml><?xml version="1.0" encoding="utf-8"?>
+<file path=ppt/slides/slide29.xml><?xml version="1.0" encoding="utf-8"?>
 <p:sld xmlns:a="http://schemas.openxmlformats.org/drawingml/2006/main" xmlns:r="http://schemas.openxmlformats.org/officeDocument/2006/relationships" xmlns:p="http://schemas.openxmlformats.org/presentationml/2006/main">
   <p:cSld>
     <p:spTree>
@@ -3928,8 +6153,16 @@
           <a:lstStyle/>
           <a:p>
             <a:r>
-              <a:rPr lang="en-US" altLang="zh-CN" dirty="0" smtClean="0"/>
-              <a:t>Common Tune on GC</a:t>
+              <a:rPr lang="en-US" altLang="zh-CN" dirty="0"/>
+              <a:t>Common GC </a:t>
+            </a:r>
+            <a:r>
+              <a:rPr lang="en-US" altLang="zh-CN" dirty="0" smtClean="0"/>
+              <a:t>Tune </a:t>
+            </a:r>
+            <a:r>
+              <a:rPr lang="en-US" altLang="zh-CN" dirty="0" smtClean="0"/>
+              <a:t>on</a:t>
             </a:r>
             <a:endParaRPr lang="zh-CN" altLang="en-US" dirty="0"/>
           </a:p>
@@ -3947,25 +6180,32 @@
         </p:nvSpPr>
         <p:spPr/>
         <p:txBody>
-          <a:bodyPr/>
-          <a:lstStyle/>
-          <a:p>
+          <a:bodyPr>
+            <a:normAutofit fontScale="92500"/>
+          </a:bodyPr>
+          <a:lstStyle/>
+          <a:p>
+            <a:r>
+              <a:rPr lang="en-US" altLang="zh-CN" dirty="0" smtClean="0"/>
+              <a:t>Parallel GC </a:t>
+            </a:r>
+            <a:r>
+              <a:rPr lang="en-US" altLang="zh-CN" dirty="0"/>
+              <a:t>First</a:t>
+            </a:r>
+            <a:r>
+              <a:rPr lang="en-US" altLang="zh-CN" dirty="0" smtClean="0"/>
+              <a:t>.(High </a:t>
+            </a:r>
             <a:r>
               <a:rPr lang="en-US" altLang="zh-CN" dirty="0" err="1" smtClean="0"/>
-              <a:t>ThoughtPutGC</a:t>
-            </a:r>
-            <a:r>
-              <a:rPr lang="en-US" altLang="zh-CN" dirty="0" smtClean="0"/>
-              <a:t> First.(High </a:t>
-            </a:r>
-            <a:r>
-              <a:rPr lang="en-US" altLang="zh-CN" dirty="0" err="1" smtClean="0"/>
-              <a:t>thought,”high</a:t>
-            </a:r>
-            <a:r>
-              <a:rPr lang="en-US" altLang="zh-CN" dirty="0" smtClean="0"/>
-              <a:t>” pause)</a:t>
-            </a:r>
+              <a:t>throughtput</a:t>
+            </a:r>
+            <a:r>
+              <a:rPr lang="en-US" altLang="zh-CN" dirty="0" smtClean="0"/>
+              <a:t>)</a:t>
+            </a:r>
+            <a:endParaRPr lang="en-US" altLang="zh-CN" dirty="0" smtClean="0"/>
           </a:p>
           <a:p>
             <a:pPr lvl="1"/>
@@ -3979,21 +6219,16 @@
             <a:pPr lvl="1"/>
             <a:r>
               <a:rPr lang="zh-CN" altLang="en-US" dirty="0" smtClean="0"/>
-              <a:t>如果暂停时间的要求不高，那么直接使用</a:t>
-            </a:r>
-            <a:r>
-              <a:rPr lang="en-US" altLang="zh-CN" dirty="0" smtClean="0"/>
-              <a:t>Parallel </a:t>
-            </a:r>
-            <a:r>
-              <a:rPr lang="en-US" altLang="zh-CN" dirty="0" err="1" smtClean="0"/>
-              <a:t>gc</a:t>
-            </a:r>
-            <a:r>
-              <a:rPr lang="zh-CN" altLang="en-US" dirty="0" smtClean="0"/>
-              <a:t>，可以获得更高的吞吐量</a:t>
-            </a:r>
-            <a:endParaRPr lang="en-US" altLang="zh-CN" dirty="0" smtClean="0"/>
+              <a:t>如果吞吐量和延迟都可以满足要求，那么就直接使用</a:t>
+            </a:r>
+            <a:r>
+              <a:rPr lang="en-US" altLang="zh-CN" dirty="0"/>
+              <a:t> </a:t>
+            </a:r>
+            <a:r>
+              <a:rPr lang="en-US" altLang="zh-CN" dirty="0" smtClean="0"/>
+              <a:t>Parallel GC</a:t>
+            </a:r>
           </a:p>
           <a:p>
             <a:pPr marL="342900" lvl="1" indent="-342900">
@@ -4001,198 +6236,89 @@
               <a:buChar char="•"/>
             </a:pPr>
             <a:r>
+              <a:rPr lang="zh-CN" altLang="en-US" sz="3200" dirty="0" smtClean="0"/>
+              <a:t>如果 </a:t>
+            </a:r>
+            <a:r>
+              <a:rPr lang="en-US" altLang="zh-CN" sz="3200" dirty="0" smtClean="0"/>
+              <a:t>SLA - Service </a:t>
+            </a:r>
+            <a:r>
+              <a:rPr lang="en-US" altLang="zh-CN" sz="3200" dirty="0"/>
+              <a:t>L</a:t>
+            </a:r>
+            <a:r>
+              <a:rPr lang="en-US" altLang="zh-CN" sz="3200" dirty="0" smtClean="0"/>
+              <a:t>evel Agreement(e.g. 99% &lt; 100ms)</a:t>
+            </a:r>
+            <a:r>
+              <a:rPr lang="zh-CN" altLang="en-US" sz="3200" dirty="0" smtClean="0"/>
+              <a:t>不能</a:t>
+            </a:r>
+            <a:r>
               <a:rPr lang="zh-CN" altLang="en-US" sz="3200" dirty="0"/>
-              <a:t>如果</a:t>
+              <a:t>满足，那么才切换到</a:t>
             </a:r>
             <a:r>
               <a:rPr lang="en-US" altLang="zh-CN" sz="3200" dirty="0"/>
-              <a:t>SLA</a:t>
-            </a:r>
-            <a:r>
-              <a:rPr lang="zh-CN" altLang="en-US" sz="3200" dirty="0"/>
-              <a:t>不能满足，那么才切换到</a:t>
+              <a:t>CMS GC(low </a:t>
+            </a:r>
+            <a:r>
+              <a:rPr lang="en-US" altLang="zh-CN" sz="3200" dirty="0" err="1" smtClean="0"/>
+              <a:t>throughtput</a:t>
+            </a:r>
+            <a:r>
+              <a:rPr lang="en-US" altLang="zh-CN" sz="3200" dirty="0" smtClean="0"/>
+              <a:t> </a:t>
             </a:r>
             <a:r>
               <a:rPr lang="en-US" altLang="zh-CN" sz="3200" dirty="0"/>
-              <a:t>CMS GC(low thought ,low pause)</a:t>
-            </a:r>
-            <a:r>
-              <a:rPr lang="zh-CN" altLang="en-US" sz="3200" dirty="0"/>
+              <a:t>,low pause)</a:t>
+            </a:r>
+            <a:r>
+              <a:rPr lang="zh-CN" altLang="en-US" sz="3200" dirty="0" smtClean="0"/>
               <a:t>。</a:t>
             </a:r>
-            <a:endParaRPr lang="en-US" altLang="zh-CN" sz="3200" dirty="0"/>
-          </a:p>
-        </p:txBody>
-      </p:sp>
-    </p:spTree>
-  </p:cSld>
-  <p:clrMapOvr>
-    <a:masterClrMapping/>
-  </p:clrMapOvr>
-</p:sld>
-</file>
-
-<file path=ppt/slides/slide2.xml><?xml version="1.0" encoding="utf-8"?>
-<p:sld xmlns:a="http://schemas.openxmlformats.org/drawingml/2006/main" xmlns:r="http://schemas.openxmlformats.org/officeDocument/2006/relationships" xmlns:p="http://schemas.openxmlformats.org/presentationml/2006/main">
-  <p:cSld>
-    <p:spTree>
-      <p:nvGrpSpPr>
-        <p:cNvPr id="1" name=""/>
-        <p:cNvGrpSpPr/>
-        <p:nvPr/>
-      </p:nvGrpSpPr>
-      <p:grpSpPr>
-        <a:xfrm>
-          <a:off x="0" y="0"/>
-          <a:ext cx="0" cy="0"/>
-          <a:chOff x="0" y="0"/>
-          <a:chExt cx="0" cy="0"/>
-        </a:xfrm>
-      </p:grpSpPr>
-      <p:sp>
-        <p:nvSpPr>
-          <p:cNvPr id="2" name="标题 1"/>
-          <p:cNvSpPr>
-            <a:spLocks noGrp="1"/>
-          </p:cNvSpPr>
-          <p:nvPr>
-            <p:ph type="title"/>
-          </p:nvPr>
-        </p:nvSpPr>
-        <p:spPr/>
-        <p:txBody>
-          <a:bodyPr/>
-          <a:lstStyle/>
-          <a:p>
-            <a:r>
-              <a:rPr lang="en-US" altLang="zh-CN" dirty="0" smtClean="0"/>
-              <a:t>Base of </a:t>
-            </a:r>
-            <a:r>
-              <a:rPr lang="en-US" altLang="zh-CN" dirty="0"/>
-              <a:t>G</a:t>
-            </a:r>
-            <a:r>
-              <a:rPr lang="en-US" altLang="zh-CN" dirty="0" smtClean="0"/>
-              <a:t>arbage Collect</a:t>
-            </a:r>
-            <a:endParaRPr lang="zh-CN" altLang="en-US" dirty="0"/>
-          </a:p>
-        </p:txBody>
-      </p:sp>
-      <p:sp>
-        <p:nvSpPr>
-          <p:cNvPr id="3" name="内容占位符 2"/>
-          <p:cNvSpPr>
-            <a:spLocks noGrp="1"/>
-          </p:cNvSpPr>
-          <p:nvPr>
-            <p:ph idx="1"/>
-          </p:nvPr>
-        </p:nvSpPr>
-        <p:spPr/>
-        <p:txBody>
-          <a:bodyPr>
-            <a:normAutofit fontScale="85000" lnSpcReduction="20000"/>
-          </a:bodyPr>
-          <a:lstStyle/>
-          <a:p>
-            <a:r>
-              <a:rPr lang="en-US" altLang="zh-CN" dirty="0" smtClean="0"/>
-              <a:t>Copying</a:t>
-            </a:r>
-          </a:p>
-          <a:p>
-            <a:pPr lvl="1"/>
-            <a:r>
-              <a:rPr lang="zh-CN" altLang="en-US" dirty="0" smtClean="0"/>
-              <a:t>复制算法</a:t>
-            </a:r>
-            <a:endParaRPr lang="en-US" altLang="zh-CN" dirty="0" smtClean="0"/>
-          </a:p>
-          <a:p>
-            <a:pPr lvl="1"/>
-            <a:r>
-              <a:rPr lang="zh-CN" altLang="en-US" dirty="0" smtClean="0"/>
-              <a:t>无碎片化</a:t>
-            </a:r>
-            <a:endParaRPr lang="en-US" altLang="zh-CN" dirty="0" smtClean="0"/>
-          </a:p>
-          <a:p>
-            <a:pPr lvl="1"/>
-            <a:r>
-              <a:rPr lang="zh-CN" altLang="en-US" dirty="0" smtClean="0"/>
-              <a:t>通常用于新生代（泛指）</a:t>
-            </a:r>
-            <a:endParaRPr lang="en-US" altLang="zh-CN" dirty="0" smtClean="0"/>
-          </a:p>
-          <a:p>
-            <a:r>
-              <a:rPr lang="en-US" altLang="zh-CN" dirty="0" smtClean="0"/>
-              <a:t>Mark-Sweep</a:t>
-            </a:r>
-          </a:p>
-          <a:p>
-            <a:pPr lvl="1"/>
-            <a:r>
-              <a:rPr lang="zh-CN" altLang="en-US" dirty="0" smtClean="0"/>
-              <a:t>标记</a:t>
-            </a:r>
-            <a:r>
-              <a:rPr lang="zh-CN" altLang="en-US" dirty="0"/>
-              <a:t>清除</a:t>
-            </a:r>
-            <a:endParaRPr lang="en-US" altLang="zh-CN" dirty="0" smtClean="0"/>
-          </a:p>
-          <a:p>
-            <a:pPr lvl="1"/>
-            <a:r>
-              <a:rPr lang="zh-CN" altLang="en-US" dirty="0"/>
-              <a:t>碎片</a:t>
-            </a:r>
-            <a:r>
-              <a:rPr lang="zh-CN" altLang="en-US" dirty="0" smtClean="0"/>
-              <a:t>化</a:t>
-            </a:r>
-            <a:endParaRPr lang="en-US" altLang="zh-CN" dirty="0" smtClean="0"/>
-          </a:p>
-          <a:p>
-            <a:pPr lvl="1"/>
-            <a:r>
-              <a:rPr lang="zh-CN" altLang="en-US" dirty="0" smtClean="0"/>
-              <a:t>通常使用</a:t>
-            </a:r>
-            <a:r>
-              <a:rPr lang="en-US" altLang="zh-CN" dirty="0" smtClean="0"/>
-              <a:t>Mark-Compact </a:t>
-            </a:r>
-            <a:r>
-              <a:rPr lang="zh-CN" altLang="en-US" dirty="0" smtClean="0"/>
-              <a:t>作为备份</a:t>
-            </a:r>
-            <a:endParaRPr lang="en-US" altLang="zh-CN" dirty="0" smtClean="0"/>
-          </a:p>
-          <a:p>
-            <a:r>
-              <a:rPr lang="en-US" altLang="zh-CN" dirty="0" smtClean="0"/>
-              <a:t>Mark-Compact</a:t>
-            </a:r>
-          </a:p>
-          <a:p>
-            <a:pPr lvl="1"/>
-            <a:r>
-              <a:rPr lang="zh-CN" altLang="en-US" dirty="0" smtClean="0"/>
-              <a:t>标记压缩</a:t>
-            </a:r>
-            <a:endParaRPr lang="en-US" altLang="zh-CN" dirty="0" smtClean="0"/>
-          </a:p>
-          <a:p>
-            <a:pPr lvl="1"/>
-            <a:r>
-              <a:rPr lang="zh-CN" altLang="en-US" dirty="0" smtClean="0"/>
-              <a:t>无碎片化</a:t>
-            </a:r>
-            <a:endParaRPr lang="zh-CN" altLang="en-US" dirty="0"/>
+            <a:endParaRPr lang="en-US" altLang="zh-CN" sz="3200" dirty="0" smtClean="0"/>
+          </a:p>
+          <a:p>
+            <a:pPr marL="342900" lvl="1" indent="-342900">
+              <a:buFont typeface="Arial" pitchFamily="34" charset="0"/>
+              <a:buChar char="•"/>
+            </a:pPr>
+            <a:r>
+              <a:rPr lang="zh-CN" altLang="en-US" sz="3200" dirty="0" smtClean="0"/>
+              <a:t>针对</a:t>
+            </a:r>
+            <a:r>
+              <a:rPr lang="en-US" altLang="zh-CN" sz="3200" dirty="0" smtClean="0"/>
+              <a:t>CMS</a:t>
+            </a:r>
+            <a:r>
+              <a:rPr lang="zh-CN" altLang="en-US" sz="3200" dirty="0" smtClean="0"/>
+              <a:t>的</a:t>
+            </a:r>
+            <a:r>
+              <a:rPr lang="en-US" altLang="zh-CN" sz="3200" dirty="0" smtClean="0"/>
+              <a:t>FULL GC</a:t>
+            </a:r>
+            <a:r>
+              <a:rPr lang="zh-CN" altLang="en-US" sz="3200" dirty="0" smtClean="0"/>
+              <a:t>做调优</a:t>
+            </a:r>
+            <a:endParaRPr lang="en-US" altLang="zh-CN" sz="3200" dirty="0" smtClean="0"/>
+          </a:p>
+          <a:p>
+            <a:pPr marL="742950" lvl="2" indent="-342900"/>
+            <a:r>
+              <a:rPr lang="en-US" altLang="zh-CN" dirty="0" smtClean="0"/>
+              <a:t>FULL GC</a:t>
+            </a:r>
+            <a:r>
+              <a:rPr lang="zh-CN" altLang="en-US" dirty="0" smtClean="0"/>
+              <a:t>带来巨大的暂停时间，导致失去本身低延迟的优势</a:t>
+            </a:r>
+            <a:endParaRPr lang="en-US" altLang="zh-CN" dirty="0"/>
           </a:p>
         </p:txBody>
       </p:sp>
@@ -4244,6 +6370,397 @@
           </a:p>
         </p:txBody>
       </p:sp>
+      <p:graphicFrame>
+        <p:nvGraphicFramePr>
+          <p:cNvPr id="4" name="内容占位符 3"/>
+          <p:cNvGraphicFramePr>
+            <a:graphicFrameLocks noGrp="1"/>
+          </p:cNvGraphicFramePr>
+          <p:nvPr>
+            <p:ph idx="1"/>
+            <p:extLst>
+              <p:ext uri="{D42A27DB-BD31-4B8C-83A1-F6EECF244321}">
+                <p14:modId xmlns:p14="http://schemas.microsoft.com/office/powerpoint/2010/main" val="2055752149"/>
+              </p:ext>
+            </p:extLst>
+          </p:nvPr>
+        </p:nvGraphicFramePr>
+        <p:xfrm>
+          <a:off x="457200" y="1600200"/>
+          <a:ext cx="8229600" cy="1483360"/>
+        </p:xfrm>
+        <a:graphic>
+          <a:graphicData uri="http://schemas.openxmlformats.org/drawingml/2006/table">
+            <a:tbl>
+              <a:tblPr firstRow="1" bandRow="1">
+                <a:tableStyleId>{5C22544A-7EE6-4342-B048-85BDC9FD1C3A}</a:tableStyleId>
+              </a:tblPr>
+              <a:tblGrid>
+                <a:gridCol w="2057400"/>
+                <a:gridCol w="2057400"/>
+                <a:gridCol w="2057400"/>
+                <a:gridCol w="2057400"/>
+              </a:tblGrid>
+              <a:tr h="370840">
+                <a:tc>
+                  <a:txBody>
+                    <a:bodyPr/>
+                    <a:lstStyle/>
+                    <a:p>
+                      <a:endParaRPr lang="zh-CN" altLang="en-US" dirty="0"/>
+                    </a:p>
+                  </a:txBody>
+                  <a:tcPr/>
+                </a:tc>
+                <a:tc>
+                  <a:txBody>
+                    <a:bodyPr/>
+                    <a:lstStyle/>
+                    <a:p>
+                      <a:r>
+                        <a:rPr lang="en-US" altLang="zh-CN" dirty="0" smtClean="0"/>
+                        <a:t>Mark-sweep</a:t>
+                      </a:r>
+                      <a:endParaRPr lang="zh-CN" altLang="en-US" dirty="0"/>
+                    </a:p>
+                  </a:txBody>
+                  <a:tcPr/>
+                </a:tc>
+                <a:tc>
+                  <a:txBody>
+                    <a:bodyPr/>
+                    <a:lstStyle/>
+                    <a:p>
+                      <a:r>
+                        <a:rPr lang="en-US" altLang="zh-CN" dirty="0" smtClean="0"/>
+                        <a:t>Mark-compact</a:t>
+                      </a:r>
+                      <a:endParaRPr lang="zh-CN" altLang="en-US" dirty="0"/>
+                    </a:p>
+                  </a:txBody>
+                  <a:tcPr/>
+                </a:tc>
+                <a:tc>
+                  <a:txBody>
+                    <a:bodyPr/>
+                    <a:lstStyle/>
+                    <a:p>
+                      <a:r>
+                        <a:rPr lang="en-US" altLang="zh-CN" dirty="0" smtClean="0"/>
+                        <a:t>Copying</a:t>
+                      </a:r>
+                      <a:endParaRPr lang="zh-CN" altLang="en-US" dirty="0"/>
+                    </a:p>
+                  </a:txBody>
+                  <a:tcPr/>
+                </a:tc>
+              </a:tr>
+              <a:tr h="370840">
+                <a:tc>
+                  <a:txBody>
+                    <a:bodyPr/>
+                    <a:lstStyle/>
+                    <a:p>
+                      <a:r>
+                        <a:rPr lang="zh-CN" altLang="en-US" dirty="0" smtClean="0"/>
+                        <a:t>速度</a:t>
+                      </a:r>
+                      <a:endParaRPr lang="zh-CN" altLang="en-US" dirty="0"/>
+                    </a:p>
+                  </a:txBody>
+                  <a:tcPr/>
+                </a:tc>
+                <a:tc>
+                  <a:txBody>
+                    <a:bodyPr/>
+                    <a:lstStyle/>
+                    <a:p>
+                      <a:r>
+                        <a:rPr lang="zh-CN" altLang="en-US" dirty="0" smtClean="0"/>
+                        <a:t>中等</a:t>
+                      </a:r>
+                      <a:endParaRPr lang="zh-CN" altLang="en-US" dirty="0"/>
+                    </a:p>
+                  </a:txBody>
+                  <a:tcPr/>
+                </a:tc>
+                <a:tc>
+                  <a:txBody>
+                    <a:bodyPr/>
+                    <a:lstStyle/>
+                    <a:p>
+                      <a:r>
+                        <a:rPr lang="zh-CN" altLang="en-US" dirty="0" smtClean="0"/>
+                        <a:t>最慢</a:t>
+                      </a:r>
+                      <a:endParaRPr lang="zh-CN" altLang="en-US" dirty="0"/>
+                    </a:p>
+                  </a:txBody>
+                  <a:tcPr/>
+                </a:tc>
+                <a:tc>
+                  <a:txBody>
+                    <a:bodyPr/>
+                    <a:lstStyle/>
+                    <a:p>
+                      <a:r>
+                        <a:rPr lang="zh-CN" altLang="en-US" dirty="0" smtClean="0"/>
+                        <a:t>最快</a:t>
+                      </a:r>
+                      <a:endParaRPr lang="zh-CN" altLang="en-US" dirty="0"/>
+                    </a:p>
+                  </a:txBody>
+                  <a:tcPr/>
+                </a:tc>
+              </a:tr>
+              <a:tr h="370840">
+                <a:tc>
+                  <a:txBody>
+                    <a:bodyPr/>
+                    <a:lstStyle/>
+                    <a:p>
+                      <a:r>
+                        <a:rPr lang="zh-CN" altLang="en-US" dirty="0" smtClean="0"/>
+                        <a:t>空间消耗</a:t>
+                      </a:r>
+                      <a:endParaRPr lang="zh-CN" altLang="en-US" dirty="0"/>
+                    </a:p>
+                  </a:txBody>
+                  <a:tcPr/>
+                </a:tc>
+                <a:tc>
+                  <a:txBody>
+                    <a:bodyPr/>
+                    <a:lstStyle/>
+                    <a:p>
+                      <a:r>
+                        <a:rPr lang="zh-CN" altLang="en-US" dirty="0" smtClean="0"/>
+                        <a:t>少（碎片化）</a:t>
+                      </a:r>
+                      <a:endParaRPr lang="zh-CN" altLang="en-US" dirty="0"/>
+                    </a:p>
+                  </a:txBody>
+                  <a:tcPr/>
+                </a:tc>
+                <a:tc>
+                  <a:txBody>
+                    <a:bodyPr/>
+                    <a:lstStyle/>
+                    <a:p>
+                      <a:r>
+                        <a:rPr lang="zh-CN" altLang="en-US" dirty="0" smtClean="0"/>
+                        <a:t>少（无碎片化）</a:t>
+                      </a:r>
+                      <a:endParaRPr lang="zh-CN" altLang="en-US" dirty="0"/>
+                    </a:p>
+                  </a:txBody>
+                  <a:tcPr/>
+                </a:tc>
+                <a:tc>
+                  <a:txBody>
+                    <a:bodyPr/>
+                    <a:lstStyle/>
+                    <a:p>
+                      <a:r>
+                        <a:rPr lang="zh-CN" altLang="en-US" dirty="0" smtClean="0"/>
+                        <a:t>存活对象的两倍</a:t>
+                      </a:r>
+                      <a:endParaRPr lang="zh-CN" altLang="en-US" dirty="0"/>
+                    </a:p>
+                  </a:txBody>
+                  <a:tcPr/>
+                </a:tc>
+              </a:tr>
+              <a:tr h="370840">
+                <a:tc>
+                  <a:txBody>
+                    <a:bodyPr/>
+                    <a:lstStyle/>
+                    <a:p>
+                      <a:r>
+                        <a:rPr lang="zh-CN" altLang="en-US" dirty="0" smtClean="0"/>
+                        <a:t>移动对象</a:t>
+                      </a:r>
+                      <a:endParaRPr lang="zh-CN" altLang="en-US" dirty="0"/>
+                    </a:p>
+                  </a:txBody>
+                  <a:tcPr/>
+                </a:tc>
+                <a:tc>
+                  <a:txBody>
+                    <a:bodyPr/>
+                    <a:lstStyle/>
+                    <a:p>
+                      <a:r>
+                        <a:rPr lang="zh-CN" altLang="en-US" dirty="0" smtClean="0"/>
+                        <a:t>不</a:t>
+                      </a:r>
+                      <a:endParaRPr lang="zh-CN" altLang="en-US" dirty="0"/>
+                    </a:p>
+                  </a:txBody>
+                  <a:tcPr/>
+                </a:tc>
+                <a:tc>
+                  <a:txBody>
+                    <a:bodyPr/>
+                    <a:lstStyle/>
+                    <a:p>
+                      <a:r>
+                        <a:rPr lang="zh-CN" altLang="en-US" dirty="0" smtClean="0"/>
+                        <a:t>是</a:t>
+                      </a:r>
+                      <a:endParaRPr lang="zh-CN" altLang="en-US" dirty="0"/>
+                    </a:p>
+                  </a:txBody>
+                  <a:tcPr/>
+                </a:tc>
+                <a:tc>
+                  <a:txBody>
+                    <a:bodyPr/>
+                    <a:lstStyle/>
+                    <a:p>
+                      <a:r>
+                        <a:rPr lang="zh-CN" altLang="en-US" dirty="0" smtClean="0"/>
+                        <a:t>是</a:t>
+                      </a:r>
+                      <a:endParaRPr lang="zh-CN" altLang="en-US" dirty="0"/>
+                    </a:p>
+                  </a:txBody>
+                  <a:tcPr/>
+                </a:tc>
+              </a:tr>
+            </a:tbl>
+          </a:graphicData>
+        </a:graphic>
+      </p:graphicFrame>
+      <p:sp>
+        <p:nvSpPr>
+          <p:cNvPr id="5" name="TextBox 4"/>
+          <p:cNvSpPr txBox="1"/>
+          <p:nvPr/>
+        </p:nvSpPr>
+        <p:spPr>
+          <a:xfrm>
+            <a:off x="467544" y="3429000"/>
+            <a:ext cx="8208912" cy="923330"/>
+          </a:xfrm>
+          <a:prstGeom prst="rect">
+            <a:avLst/>
+          </a:prstGeom>
+          <a:noFill/>
+        </p:spPr>
+        <p:txBody>
+          <a:bodyPr wrap="square" rtlCol="0">
+            <a:spAutoFit/>
+          </a:bodyPr>
+          <a:lstStyle/>
+          <a:p>
+            <a:r>
+              <a:rPr lang="en-US" altLang="zh-CN" dirty="0" err="1" smtClean="0"/>
+              <a:t>Mark-sweep:mark</a:t>
+            </a:r>
+            <a:r>
+              <a:rPr lang="zh-CN" altLang="en-US" dirty="0" smtClean="0"/>
+              <a:t>阶段</a:t>
+            </a:r>
+            <a:r>
+              <a:rPr lang="en-US" altLang="zh-CN" dirty="0" smtClean="0"/>
+              <a:t>=O(live sets size),sweep</a:t>
+            </a:r>
+            <a:r>
+              <a:rPr lang="zh-CN" altLang="en-US" dirty="0" smtClean="0"/>
+              <a:t>阶段</a:t>
+            </a:r>
+            <a:r>
+              <a:rPr lang="en-US" altLang="zh-CN" dirty="0" smtClean="0"/>
+              <a:t>=O(heap size)</a:t>
+            </a:r>
+          </a:p>
+          <a:p>
+            <a:r>
+              <a:rPr lang="en-US" altLang="zh-CN" dirty="0" err="1" smtClean="0"/>
+              <a:t>Mark-compact:mark</a:t>
+            </a:r>
+            <a:r>
+              <a:rPr lang="zh-CN" altLang="en-US" dirty="0" smtClean="0"/>
+              <a:t>阶段</a:t>
+            </a:r>
+            <a:r>
+              <a:rPr lang="en-US" altLang="zh-CN" dirty="0" smtClean="0"/>
+              <a:t>=O(live sets size),compact</a:t>
+            </a:r>
+            <a:r>
+              <a:rPr lang="zh-CN" altLang="en-US" dirty="0" smtClean="0"/>
+              <a:t>阶段</a:t>
+            </a:r>
+            <a:r>
+              <a:rPr lang="en-US" altLang="zh-CN" dirty="0" smtClean="0"/>
+              <a:t>=O(live sets size)</a:t>
+            </a:r>
+          </a:p>
+          <a:p>
+            <a:r>
+              <a:rPr lang="en-US" altLang="zh-CN" dirty="0" err="1" smtClean="0"/>
+              <a:t>Copying:O</a:t>
+            </a:r>
+            <a:r>
+              <a:rPr lang="en-US" altLang="zh-CN" dirty="0" smtClean="0"/>
+              <a:t>(live sets size)</a:t>
+            </a:r>
+            <a:endParaRPr lang="zh-CN" altLang="en-US" dirty="0"/>
+          </a:p>
+        </p:txBody>
+      </p:sp>
+    </p:spTree>
+  </p:cSld>
+  <p:clrMapOvr>
+    <a:masterClrMapping/>
+  </p:clrMapOvr>
+</p:sld>
+</file>
+
+<file path=ppt/slides/slide30.xml><?xml version="1.0" encoding="utf-8"?>
+<p:sld xmlns:a="http://schemas.openxmlformats.org/drawingml/2006/main" xmlns:r="http://schemas.openxmlformats.org/officeDocument/2006/relationships" xmlns:p="http://schemas.openxmlformats.org/presentationml/2006/main">
+  <p:cSld>
+    <p:spTree>
+      <p:nvGrpSpPr>
+        <p:cNvPr id="1" name=""/>
+        <p:cNvGrpSpPr/>
+        <p:nvPr/>
+      </p:nvGrpSpPr>
+      <p:grpSpPr>
+        <a:xfrm>
+          <a:off x="0" y="0"/>
+          <a:ext cx="0" cy="0"/>
+          <a:chOff x="0" y="0"/>
+          <a:chExt cx="0" cy="0"/>
+        </a:xfrm>
+      </p:grpSpPr>
+      <p:sp>
+        <p:nvSpPr>
+          <p:cNvPr id="2" name="标题 1"/>
+          <p:cNvSpPr>
+            <a:spLocks noGrp="1"/>
+          </p:cNvSpPr>
+          <p:nvPr>
+            <p:ph type="title"/>
+          </p:nvPr>
+        </p:nvSpPr>
+        <p:spPr/>
+        <p:txBody>
+          <a:bodyPr>
+            <a:normAutofit/>
+          </a:bodyPr>
+          <a:lstStyle/>
+          <a:p>
+            <a:r>
+              <a:rPr lang="en-US" altLang="zh-CN" dirty="0" smtClean="0"/>
+              <a:t>Links</a:t>
+            </a:r>
+            <a:endParaRPr lang="zh-CN" altLang="en-US" dirty="0"/>
+          </a:p>
+        </p:txBody>
+      </p:sp>
       <p:sp>
         <p:nvSpPr>
           <p:cNvPr id="3" name="内容占位符 2"/>
@@ -4256,18 +6773,230 @@
         </p:nvSpPr>
         <p:spPr/>
         <p:txBody>
-          <a:bodyPr/>
-          <a:lstStyle/>
-          <a:p>
-            <a:r>
-              <a:rPr lang="zh-CN" altLang="en-US" dirty="0" smtClean="0"/>
-              <a:t>时间和空间复杂度</a:t>
+          <a:bodyPr>
+            <a:normAutofit fontScale="92500"/>
+          </a:bodyPr>
+          <a:lstStyle/>
+          <a:p>
+            <a:r>
+              <a:rPr lang="en-US" altLang="zh-CN" dirty="0">
+                <a:hlinkClick r:id="rId2"/>
+              </a:rPr>
+              <a:t>https://groups.google.com/a/jclarity.com/forum/#!</a:t>
+            </a:r>
+            <a:r>
+              <a:rPr lang="en-US" altLang="zh-CN" dirty="0" smtClean="0">
+                <a:hlinkClick r:id="rId2"/>
+              </a:rPr>
+              <a:t>forum/friends</a:t>
+            </a:r>
+            <a:endParaRPr lang="en-US" altLang="zh-CN" dirty="0" smtClean="0"/>
+          </a:p>
+          <a:p>
+            <a:pPr lvl="1"/>
+            <a:r>
+              <a:rPr lang="en-US" altLang="zh-CN" dirty="0" err="1" smtClean="0"/>
+              <a:t>JClarity</a:t>
+            </a:r>
+            <a:r>
+              <a:rPr lang="zh-CN" altLang="en-US" dirty="0" smtClean="0"/>
+              <a:t>公司（从事</a:t>
+            </a:r>
+            <a:r>
+              <a:rPr lang="en-US" altLang="zh-CN" dirty="0" smtClean="0"/>
+              <a:t>Java</a:t>
+            </a:r>
+            <a:r>
+              <a:rPr lang="zh-CN" altLang="en-US" dirty="0" smtClean="0"/>
+              <a:t>性能调优）的</a:t>
+            </a:r>
+            <a:r>
+              <a:rPr lang="en-US" altLang="zh-CN" dirty="0" smtClean="0"/>
+              <a:t>google</a:t>
+            </a:r>
+            <a:r>
+              <a:rPr lang="zh-CN" altLang="en-US" dirty="0" smtClean="0"/>
+              <a:t>讨论组</a:t>
+            </a:r>
+            <a:endParaRPr lang="en-US" altLang="zh-CN" dirty="0" smtClean="0"/>
+          </a:p>
+          <a:p>
+            <a:pPr marL="342900" lvl="1" indent="-342900">
+              <a:buFont typeface="Arial" pitchFamily="34" charset="0"/>
+              <a:buChar char="•"/>
+            </a:pPr>
+            <a:r>
+              <a:rPr lang="en-US" altLang="zh-CN" sz="3200" dirty="0"/>
+              <a:t>http://hllvm.group.iteye.cm</a:t>
+            </a:r>
+          </a:p>
+          <a:p>
+            <a:pPr marL="457200" lvl="1" indent="0">
+              <a:buNone/>
+            </a:pPr>
+            <a:r>
+              <a:rPr lang="en-US" altLang="zh-CN" dirty="0"/>
+              <a:t>	</a:t>
+            </a:r>
+            <a:r>
+              <a:rPr lang="zh-CN" altLang="en-US" dirty="0" smtClean="0"/>
+              <a:t>高级语言虚拟机讨论组</a:t>
+            </a:r>
+            <a:r>
+              <a:rPr lang="en-US" altLang="zh-CN" dirty="0" smtClean="0"/>
+              <a:t>,</a:t>
+            </a:r>
+            <a:r>
+              <a:rPr lang="zh-CN" altLang="en-US" dirty="0" smtClean="0"/>
+              <a:t>资料较老，基本都是考古</a:t>
+            </a:r>
+            <a:endParaRPr lang="en-US" altLang="zh-CN" dirty="0" smtClean="0"/>
+          </a:p>
+          <a:p>
+            <a:pPr marL="342900" lvl="1" indent="-342900">
+              <a:buFont typeface="Arial" pitchFamily="34" charset="0"/>
+              <a:buChar char="•"/>
+            </a:pPr>
+            <a:r>
+              <a:rPr lang="en-US" altLang="zh-CN" sz="3200" dirty="0">
+                <a:hlinkClick r:id="rId3"/>
+              </a:rPr>
+              <a:t>http://</a:t>
+            </a:r>
+            <a:r>
+              <a:rPr lang="en-US" altLang="zh-CN" sz="3200" dirty="0">
+                <a:hlinkClick r:id="rId3"/>
+              </a:rPr>
+              <a:t>www.azulsystems.com/sites/default/files/images/Understanding_Java_Garbage_Collection_v3.pdf</a:t>
+            </a:r>
+            <a:endParaRPr lang="en-US" altLang="zh-CN" sz="3200" dirty="0"/>
+          </a:p>
+          <a:p>
+            <a:pPr marL="457200" lvl="1" indent="0">
+              <a:buNone/>
+            </a:pPr>
+            <a:r>
+              <a:rPr lang="en-US" altLang="zh-CN" dirty="0"/>
+              <a:t>	</a:t>
+            </a:r>
+            <a:r>
+              <a:rPr lang="en-US" altLang="zh-CN" dirty="0" err="1" smtClean="0"/>
+              <a:t>azul</a:t>
+            </a:r>
+            <a:r>
+              <a:rPr lang="en-US" altLang="zh-CN" dirty="0" smtClean="0"/>
+              <a:t> system</a:t>
+            </a:r>
+            <a:r>
+              <a:rPr lang="zh-CN" altLang="en-US" dirty="0" smtClean="0"/>
+              <a:t>公司</a:t>
+            </a:r>
+            <a:r>
+              <a:rPr lang="en-US" altLang="zh-CN" dirty="0" smtClean="0"/>
+              <a:t>(Zing VM</a:t>
+            </a:r>
+            <a:r>
+              <a:rPr lang="zh-CN" altLang="en-US" dirty="0" smtClean="0"/>
+              <a:t>的拥有者</a:t>
+            </a:r>
+            <a:r>
+              <a:rPr lang="en-US" altLang="zh-CN" dirty="0" smtClean="0"/>
+              <a:t>)</a:t>
+            </a:r>
+            <a:r>
+              <a:rPr lang="zh-CN" altLang="en-US" dirty="0" smtClean="0"/>
+              <a:t>的</a:t>
+            </a:r>
+            <a:r>
+              <a:rPr lang="en-US" altLang="zh-CN" dirty="0" err="1" smtClean="0"/>
+              <a:t>gc</a:t>
+            </a:r>
+            <a:r>
+              <a:rPr lang="zh-CN" altLang="en-US" dirty="0" smtClean="0"/>
+              <a:t>科普资料</a:t>
             </a:r>
             <a:endParaRPr lang="zh-CN" altLang="en-US" dirty="0"/>
           </a:p>
         </p:txBody>
       </p:sp>
     </p:spTree>
+    <p:extLst>
+      <p:ext uri="{BB962C8B-B14F-4D97-AF65-F5344CB8AC3E}">
+        <p14:creationId xmlns:p14="http://schemas.microsoft.com/office/powerpoint/2010/main" val="2525669329"/>
+      </p:ext>
+    </p:extLst>
+  </p:cSld>
+  <p:clrMapOvr>
+    <a:masterClrMapping/>
+  </p:clrMapOvr>
+</p:sld>
+</file>
+
+<file path=ppt/slides/slide31.xml><?xml version="1.0" encoding="utf-8"?>
+<p:sld xmlns:a="http://schemas.openxmlformats.org/drawingml/2006/main" xmlns:r="http://schemas.openxmlformats.org/officeDocument/2006/relationships" xmlns:p="http://schemas.openxmlformats.org/presentationml/2006/main">
+  <p:cSld>
+    <p:spTree>
+      <p:nvGrpSpPr>
+        <p:cNvPr id="1" name=""/>
+        <p:cNvGrpSpPr/>
+        <p:nvPr/>
+      </p:nvGrpSpPr>
+      <p:grpSpPr>
+        <a:xfrm>
+          <a:off x="0" y="0"/>
+          <a:ext cx="0" cy="0"/>
+          <a:chOff x="0" y="0"/>
+          <a:chExt cx="0" cy="0"/>
+        </a:xfrm>
+      </p:grpSpPr>
+      <p:sp>
+        <p:nvSpPr>
+          <p:cNvPr id="2" name="标题 1"/>
+          <p:cNvSpPr>
+            <a:spLocks noGrp="1"/>
+          </p:cNvSpPr>
+          <p:nvPr>
+            <p:ph type="title"/>
+          </p:nvPr>
+        </p:nvSpPr>
+        <p:spPr/>
+        <p:txBody>
+          <a:bodyPr/>
+          <a:lstStyle/>
+          <a:p>
+            <a:r>
+              <a:rPr lang="en-US" altLang="zh-CN" dirty="0" smtClean="0"/>
+              <a:t>Q&amp;A</a:t>
+            </a:r>
+            <a:endParaRPr lang="zh-CN" altLang="en-US" dirty="0"/>
+          </a:p>
+        </p:txBody>
+      </p:sp>
+      <p:sp>
+        <p:nvSpPr>
+          <p:cNvPr id="3" name="内容占位符 2"/>
+          <p:cNvSpPr>
+            <a:spLocks noGrp="1"/>
+          </p:cNvSpPr>
+          <p:nvPr>
+            <p:ph idx="1"/>
+          </p:nvPr>
+        </p:nvSpPr>
+        <p:spPr/>
+        <p:txBody>
+          <a:bodyPr/>
+          <a:lstStyle/>
+          <a:p>
+            <a:endParaRPr lang="zh-CN" altLang="en-US" dirty="0"/>
+          </a:p>
+        </p:txBody>
+      </p:sp>
+    </p:spTree>
+    <p:extLst>
+      <p:ext uri="{BB962C8B-B14F-4D97-AF65-F5344CB8AC3E}">
+        <p14:creationId xmlns:p14="http://schemas.microsoft.com/office/powerpoint/2010/main" val="3415189436"/>
+      </p:ext>
+    </p:extLst>
   </p:cSld>
   <p:clrMapOvr>
     <a:masterClrMapping/>
@@ -4308,8 +7037,16 @@
           <a:lstStyle/>
           <a:p>
             <a:r>
-              <a:rPr lang="zh-CN" altLang="en-US" dirty="0" smtClean="0"/>
-              <a:t>分代假说</a:t>
+              <a:rPr lang="en-US" altLang="zh-CN" dirty="0" smtClean="0"/>
+              <a:t>GC </a:t>
+            </a:r>
+            <a:r>
+              <a:rPr lang="zh-CN" altLang="en-US" dirty="0" smtClean="0"/>
+              <a:t>指标</a:t>
+            </a:r>
+            <a:r>
+              <a:rPr lang="en-US" altLang="zh-CN" dirty="0" smtClean="0"/>
+              <a:t> </a:t>
             </a:r>
             <a:endParaRPr lang="zh-CN" altLang="en-US" dirty="0"/>
           </a:p>
@@ -4331,17 +7068,47 @@
           <a:lstStyle/>
           <a:p>
             <a:r>
-              <a:rPr lang="zh-CN" altLang="en-US" dirty="0" smtClean="0"/>
-              <a:t>弱分代假说：大多数对象都消逝地很快</a:t>
+              <a:rPr lang="en-US" altLang="zh-CN" dirty="0" smtClean="0"/>
+              <a:t>Throughput </a:t>
+            </a:r>
+            <a:r>
+              <a:rPr lang="zh-CN" altLang="en-US" dirty="0" smtClean="0"/>
+              <a:t>吞吐量</a:t>
             </a:r>
             <a:endParaRPr lang="en-US" altLang="zh-CN" dirty="0" smtClean="0"/>
           </a:p>
           <a:p>
             <a:r>
-              <a:rPr lang="zh-CN" altLang="en-US" dirty="0" smtClean="0"/>
-              <a:t>强分代假说：</a:t>
-            </a:r>
-            <a:endParaRPr lang="zh-CN" altLang="en-US" dirty="0"/>
+              <a:rPr lang="en-US" altLang="zh-CN" dirty="0" smtClean="0"/>
+              <a:t>Pause </a:t>
+            </a:r>
+            <a:r>
+              <a:rPr lang="zh-CN" altLang="en-US" dirty="0" smtClean="0"/>
+              <a:t>停顿时间</a:t>
+            </a:r>
+            <a:endParaRPr lang="en-US" altLang="zh-CN" dirty="0" smtClean="0"/>
+          </a:p>
+          <a:p>
+            <a:r>
+              <a:rPr lang="zh-CN" altLang="en-US" dirty="0" smtClean="0"/>
+              <a:t>空间</a:t>
+            </a:r>
+            <a:r>
+              <a:rPr lang="zh-CN" altLang="en-US" dirty="0" smtClean="0"/>
+              <a:t>使用</a:t>
+            </a:r>
+            <a:endParaRPr lang="en-US" altLang="zh-CN" dirty="0" smtClean="0"/>
+          </a:p>
+          <a:p>
+            <a:r>
+              <a:rPr lang="zh-CN" altLang="en-US" dirty="0"/>
+              <a:t>总体</a:t>
+            </a:r>
+            <a:r>
+              <a:rPr lang="zh-CN" altLang="en-US" dirty="0" smtClean="0"/>
+              <a:t>运行时间</a:t>
+            </a:r>
+            <a:endParaRPr lang="en-US" altLang="zh-CN" dirty="0" smtClean="0"/>
           </a:p>
         </p:txBody>
       </p:sp>
@@ -4386,8 +7153,8 @@
           <a:lstStyle/>
           <a:p>
             <a:r>
-              <a:rPr lang="zh-CN" altLang="en-US" dirty="0" smtClean="0"/>
-              <a:t>分代算法</a:t>
+              <a:rPr lang="en-US" altLang="zh-CN" dirty="0" smtClean="0"/>
+              <a:t>Copying</a:t>
             </a:r>
             <a:endParaRPr lang="zh-CN" altLang="en-US" dirty="0"/>
           </a:p>
@@ -4410,22 +7177,60 @@
           <a:p>
             <a:r>
               <a:rPr lang="zh-CN" altLang="en-US" dirty="0" smtClean="0"/>
-              <a:t>对象大小</a:t>
+              <a:t>将堆分成两个区，相互交互</a:t>
             </a:r>
             <a:endParaRPr lang="en-US" altLang="zh-CN" dirty="0" smtClean="0"/>
           </a:p>
           <a:p>
             <a:r>
               <a:rPr lang="zh-CN" altLang="en-US" dirty="0" smtClean="0"/>
-              <a:t>对象生存时间</a:t>
+              <a:t>适合小和少的对象</a:t>
             </a:r>
             <a:endParaRPr lang="en-US" altLang="zh-CN" dirty="0" smtClean="0"/>
           </a:p>
           <a:p>
+            <a:r>
+              <a:rPr lang="zh-CN" altLang="en-US" dirty="0"/>
+              <a:t>不</a:t>
+            </a:r>
+            <a:r>
+              <a:rPr lang="zh-CN" altLang="en-US" dirty="0" smtClean="0"/>
+              <a:t>适合大的对象，复制成本高</a:t>
+            </a:r>
             <a:endParaRPr lang="zh-CN" altLang="en-US" dirty="0"/>
           </a:p>
         </p:txBody>
       </p:sp>
+      <p:pic>
+        <p:nvPicPr>
+          <p:cNvPr id="4" name="图片 3"/>
+          <p:cNvPicPr>
+            <a:picLocks noChangeAspect="1"/>
+          </p:cNvPicPr>
+          <p:nvPr/>
+        </p:nvPicPr>
+        <p:blipFill>
+          <a:blip r:embed="rId2">
+            <a:extLst>
+              <a:ext uri="{28A0092B-C50C-407E-A947-70E740481C1C}">
+                <a14:useLocalDpi xmlns:a14="http://schemas.microsoft.com/office/drawing/2010/main" val="0"/>
+              </a:ext>
+            </a:extLst>
+          </a:blip>
+          <a:stretch>
+            <a:fillRect/>
+          </a:stretch>
+        </p:blipFill>
+        <p:spPr>
+          <a:xfrm>
+            <a:off x="2267744" y="3861048"/>
+            <a:ext cx="4366260" cy="1752600"/>
+          </a:xfrm>
+          <a:prstGeom prst="rect">
+            <a:avLst/>
+          </a:prstGeom>
+        </p:spPr>
+      </p:pic>
     </p:spTree>
   </p:cSld>
   <p:clrMapOvr>
@@ -4468,7 +7273,7 @@
           <a:p>
             <a:r>
               <a:rPr lang="en-US" altLang="zh-CN" dirty="0" smtClean="0"/>
-              <a:t>GC </a:t>
+              <a:t>Mark</a:t>
             </a:r>
             <a:endParaRPr lang="zh-CN" altLang="en-US" dirty="0"/>
           </a:p>
@@ -4491,32 +7296,102 @@
           <a:p>
             <a:r>
               <a:rPr lang="en-US" altLang="zh-CN" dirty="0" smtClean="0"/>
-              <a:t>Throughput</a:t>
-            </a:r>
-          </a:p>
-          <a:p>
-            <a:r>
-              <a:rPr lang="en-US" altLang="zh-CN" dirty="0" smtClean="0"/>
-              <a:t>Pause</a:t>
-            </a:r>
-          </a:p>
-          <a:p>
-            <a:r>
-              <a:rPr lang="zh-CN" altLang="en-US" dirty="0" smtClean="0"/>
-              <a:t>空间使用</a:t>
+              <a:t>Start from roots.(thread </a:t>
+            </a:r>
+            <a:r>
+              <a:rPr lang="en-US" altLang="zh-CN" dirty="0" err="1" smtClean="0"/>
+              <a:t>stack,static</a:t>
+            </a:r>
+            <a:r>
+              <a:rPr lang="en-US" altLang="zh-CN" dirty="0" smtClean="0"/>
+              <a:t> </a:t>
+            </a:r>
+            <a:r>
+              <a:rPr lang="en-US" altLang="zh-CN" dirty="0" err="1" smtClean="0"/>
+              <a:t>etc</a:t>
+            </a:r>
+            <a:r>
+              <a:rPr lang="en-US" altLang="zh-CN" dirty="0" smtClean="0"/>
+              <a:t>)</a:t>
+            </a:r>
+          </a:p>
+          <a:p>
+            <a:r>
+              <a:rPr lang="zh-CN" altLang="en-US" dirty="0" smtClean="0"/>
+              <a:t>标记所有存活的对象 </a:t>
+            </a:r>
+            <a:r>
+              <a:rPr lang="en-US" altLang="zh-CN" dirty="0" smtClean="0"/>
+              <a:t>live</a:t>
+            </a:r>
+          </a:p>
+          <a:p>
+            <a:r>
+              <a:rPr lang="en-US" altLang="zh-CN" dirty="0" smtClean="0"/>
+              <a:t>Mark</a:t>
+            </a:r>
+            <a:r>
+              <a:rPr lang="zh-CN" altLang="en-US" dirty="0" smtClean="0"/>
+              <a:t>阶段的结束标志着：</a:t>
             </a:r>
             <a:endParaRPr lang="en-US" altLang="zh-CN" dirty="0" smtClean="0"/>
           </a:p>
           <a:p>
-            <a:r>
-              <a:rPr lang="zh-CN" altLang="en-US" dirty="0" smtClean="0"/>
-              <a:t>总运行时间</a:t>
-            </a:r>
+            <a:pPr lvl="1"/>
+            <a:r>
+              <a:rPr lang="zh-CN" altLang="en-US" dirty="0" smtClean="0"/>
+              <a:t>所有可达的对象会背标记成</a:t>
+            </a:r>
+            <a:r>
+              <a:rPr lang="en-US" altLang="zh-CN" dirty="0" smtClean="0"/>
+              <a:t>live</a:t>
+            </a:r>
+          </a:p>
+          <a:p>
+            <a:pPr lvl="1"/>
+            <a:r>
+              <a:rPr lang="zh-CN" altLang="en-US" dirty="0" smtClean="0"/>
+              <a:t>不可达对象会被标记成 </a:t>
+            </a:r>
+            <a:r>
+              <a:rPr lang="en-US" altLang="zh-CN" dirty="0" smtClean="0"/>
+              <a:t>dead</a:t>
+            </a:r>
+          </a:p>
+          <a:p>
+            <a:pPr lvl="1"/>
             <a:endParaRPr lang="en-US" altLang="zh-CN" dirty="0" smtClean="0"/>
           </a:p>
+          <a:p>
+            <a:pPr lvl="1"/>
+            <a:endParaRPr lang="en-US" altLang="zh-CN" dirty="0"/>
+          </a:p>
+          <a:p>
+            <a:pPr marL="457200" lvl="1" indent="0">
+              <a:buNone/>
+            </a:pPr>
+            <a:r>
+              <a:rPr lang="zh-CN" altLang="en-US" dirty="0" smtClean="0"/>
+              <a:t>耗时和</a:t>
+            </a:r>
+            <a:r>
+              <a:rPr lang="en-US" altLang="zh-CN" dirty="0" smtClean="0"/>
+              <a:t>live set</a:t>
+            </a:r>
+            <a:r>
+              <a:rPr lang="zh-CN" altLang="en-US" dirty="0" smtClean="0"/>
+              <a:t>是线性关系</a:t>
+            </a:r>
+            <a:endParaRPr lang="en-US" altLang="zh-CN" dirty="0"/>
+          </a:p>
         </p:txBody>
       </p:sp>
     </p:spTree>
+    <p:extLst>
+      <p:ext uri="{BB962C8B-B14F-4D97-AF65-F5344CB8AC3E}">
+        <p14:creationId xmlns:p14="http://schemas.microsoft.com/office/powerpoint/2010/main" val="1736293421"/>
+      </p:ext>
+    </p:extLst>
   </p:cSld>
   <p:clrMapOvr>
     <a:masterClrMapping/>
@@ -4558,7 +7433,7 @@
           <a:p>
             <a:r>
               <a:rPr lang="en-US" altLang="zh-CN" dirty="0" smtClean="0"/>
-              <a:t>Copying</a:t>
+              <a:t>Mark-Sweep</a:t>
             </a:r>
             <a:endParaRPr lang="zh-CN" altLang="en-US" dirty="0"/>
           </a:p>
@@ -4579,10 +7454,47 @@
           <a:bodyPr/>
           <a:lstStyle/>
           <a:p>
+            <a:r>
+              <a:rPr lang="zh-CN" altLang="en-US" dirty="0" smtClean="0"/>
+              <a:t>没有移动过程，适合对大对象进行回收</a:t>
+            </a:r>
+            <a:endParaRPr lang="en-US" altLang="zh-CN" dirty="0" smtClean="0"/>
+          </a:p>
+          <a:p>
             <a:endParaRPr lang="zh-CN" altLang="en-US" dirty="0"/>
           </a:p>
         </p:txBody>
       </p:sp>
+      <p:pic>
+        <p:nvPicPr>
+          <p:cNvPr id="4" name="图片 3"/>
+          <p:cNvPicPr>
+            <a:picLocks noChangeAspect="1"/>
+          </p:cNvPicPr>
+          <p:nvPr/>
+        </p:nvPicPr>
+        <p:blipFill>
+          <a:blip r:embed="rId2">
+            <a:extLst>
+              <a:ext uri="{28A0092B-C50C-407E-A947-70E740481C1C}">
+                <a14:useLocalDpi xmlns:a14="http://schemas.microsoft.com/office/drawing/2010/main" val="0"/>
+              </a:ext>
+            </a:extLst>
+          </a:blip>
+          <a:stretch>
+            <a:fillRect/>
+          </a:stretch>
+        </p:blipFill>
+        <p:spPr>
+          <a:xfrm>
+            <a:off x="2387176" y="3933056"/>
+            <a:ext cx="4366260" cy="1752600"/>
+          </a:xfrm>
+          <a:prstGeom prst="rect">
+            <a:avLst/>
+          </a:prstGeom>
+        </p:spPr>
+      </p:pic>
     </p:spTree>
   </p:cSld>
   <p:clrMapOvr>
@@ -4625,7 +7537,7 @@
           <a:p>
             <a:r>
               <a:rPr lang="en-US" altLang="zh-CN" dirty="0" smtClean="0"/>
-              <a:t>Mark-Sweep</a:t>
+              <a:t>Mark-Compact</a:t>
             </a:r>
             <a:endParaRPr lang="zh-CN" altLang="en-US" dirty="0"/>
           </a:p>
@@ -4646,10 +7558,44 @@
           <a:bodyPr/>
           <a:lstStyle/>
           <a:p>
-            <a:endParaRPr lang="zh-CN" altLang="en-US"/>
-          </a:p>
-        </p:txBody>
-      </p:sp>
+            <a:r>
+              <a:rPr lang="zh-CN" altLang="en-US" dirty="0" smtClean="0"/>
+              <a:t>成本最高，耗时最长，过程最多</a:t>
+            </a:r>
+            <a:endParaRPr lang="zh-CN" altLang="en-US" dirty="0"/>
+          </a:p>
+        </p:txBody>
+      </p:sp>
+      <p:pic>
+        <p:nvPicPr>
+          <p:cNvPr id="4" name="图片 3"/>
+          <p:cNvPicPr>
+            <a:picLocks noChangeAspect="1"/>
+          </p:cNvPicPr>
+          <p:nvPr/>
+        </p:nvPicPr>
+        <p:blipFill>
+          <a:blip r:embed="rId2">
+            <a:extLst>
+              <a:ext uri="{28A0092B-C50C-407E-A947-70E740481C1C}">
+                <a14:useLocalDpi xmlns:a14="http://schemas.microsoft.com/office/drawing/2010/main" val="0"/>
+              </a:ext>
+            </a:extLst>
+          </a:blip>
+          <a:stretch>
+            <a:fillRect/>
+          </a:stretch>
+        </p:blipFill>
+        <p:spPr>
+          <a:xfrm>
+            <a:off x="2368422" y="4149080"/>
+            <a:ext cx="4366260" cy="1752600"/>
+          </a:xfrm>
+          <a:prstGeom prst="rect">
+            <a:avLst/>
+          </a:prstGeom>
+        </p:spPr>
+      </p:pic>
     </p:spTree>
   </p:cSld>
   <p:clrMapOvr>
@@ -4692,7 +7638,7 @@
           <a:p>
             <a:r>
               <a:rPr lang="en-US" altLang="zh-CN" dirty="0" smtClean="0"/>
-              <a:t>Mark-Compact</a:t>
+              <a:t>Compact</a:t>
             </a:r>
             <a:endParaRPr lang="zh-CN" altLang="en-US" dirty="0"/>
           </a:p>
@@ -4710,14 +7656,107 @@
         </p:nvSpPr>
         <p:spPr/>
         <p:txBody>
-          <a:bodyPr/>
-          <a:lstStyle/>
-          <a:p>
-            <a:endParaRPr lang="zh-CN" altLang="en-US"/>
+          <a:bodyPr>
+            <a:normAutofit fontScale="92500" lnSpcReduction="10000"/>
+          </a:bodyPr>
+          <a:lstStyle/>
+          <a:p>
+            <a:r>
+              <a:rPr lang="zh-CN" altLang="en-US" dirty="0" smtClean="0"/>
+              <a:t>回收的对象之间剩下的间隙不足以容纳新对象</a:t>
+            </a:r>
+            <a:r>
+              <a:rPr lang="en-US" altLang="zh-CN" dirty="0" smtClean="0"/>
+              <a:t>(</a:t>
+            </a:r>
+            <a:r>
+              <a:rPr lang="zh-CN" altLang="en-US" dirty="0" smtClean="0"/>
+              <a:t>碎片化</a:t>
+            </a:r>
+            <a:r>
+              <a:rPr lang="en-US" altLang="zh-CN" dirty="0" smtClean="0"/>
+              <a:t>)</a:t>
+            </a:r>
+          </a:p>
+          <a:p>
+            <a:r>
+              <a:rPr lang="en-US" altLang="zh-CN" dirty="0" smtClean="0"/>
+              <a:t>Compaction </a:t>
+            </a:r>
+            <a:r>
+              <a:rPr lang="zh-CN" altLang="en-US" dirty="0" smtClean="0"/>
+              <a:t>会将存活的对象移动到一起，将碎片空间腾出来（</a:t>
+            </a:r>
+            <a:r>
+              <a:rPr lang="en-US" altLang="zh-CN" dirty="0" smtClean="0"/>
+              <a:t>relocate</a:t>
+            </a:r>
+            <a:r>
+              <a:rPr lang="zh-CN" altLang="en-US" dirty="0" smtClean="0"/>
+              <a:t>）</a:t>
+            </a:r>
+            <a:endParaRPr lang="en-US" altLang="zh-CN" dirty="0" smtClean="0"/>
+          </a:p>
+          <a:p>
+            <a:r>
+              <a:rPr lang="en-US" altLang="zh-CN" dirty="0" smtClean="0"/>
+              <a:t>Compaction </a:t>
+            </a:r>
+            <a:r>
+              <a:rPr lang="zh-CN" altLang="en-US" dirty="0" smtClean="0"/>
+              <a:t>需要修正所有的对象引用指向新的对象地址（</a:t>
+            </a:r>
+            <a:r>
+              <a:rPr lang="en-US" altLang="zh-CN" dirty="0" smtClean="0"/>
+              <a:t>remap</a:t>
+            </a:r>
+            <a:r>
+              <a:rPr lang="zh-CN" altLang="en-US" dirty="0" smtClean="0"/>
+              <a:t>）</a:t>
+            </a:r>
+            <a:endParaRPr lang="en-US" altLang="zh-CN" dirty="0" smtClean="0"/>
+          </a:p>
+          <a:p>
+            <a:r>
+              <a:rPr lang="en-US" altLang="zh-CN" dirty="0" smtClean="0"/>
+              <a:t>Remap</a:t>
+            </a:r>
+            <a:r>
+              <a:rPr lang="zh-CN" altLang="en-US" dirty="0" smtClean="0"/>
+              <a:t>需要覆盖所有的对象引用</a:t>
+            </a:r>
+            <a:endParaRPr lang="en-US" altLang="zh-CN" dirty="0" smtClean="0"/>
+          </a:p>
+          <a:p>
+            <a:endParaRPr lang="en-US" altLang="zh-CN" dirty="0"/>
+          </a:p>
+          <a:p>
+            <a:r>
+              <a:rPr lang="en-US" altLang="zh-CN" dirty="0" smtClean="0"/>
+              <a:t>Compact </a:t>
+            </a:r>
+            <a:r>
+              <a:rPr lang="zh-CN" altLang="en-US" dirty="0" smtClean="0"/>
+              <a:t>耗时和</a:t>
+            </a:r>
+            <a:r>
+              <a:rPr lang="en-US" altLang="zh-CN" dirty="0" smtClean="0"/>
+              <a:t>live set </a:t>
+            </a:r>
+            <a:r>
+              <a:rPr lang="zh-CN" altLang="en-US" dirty="0" smtClean="0"/>
+              <a:t>线性相关</a:t>
+            </a:r>
+            <a:endParaRPr lang="zh-CN" altLang="en-US" dirty="0"/>
           </a:p>
         </p:txBody>
       </p:sp>
     </p:spTree>
+    <p:extLst>
+      <p:ext uri="{BB962C8B-B14F-4D97-AF65-F5344CB8AC3E}">
+        <p14:creationId xmlns:p14="http://schemas.microsoft.com/office/powerpoint/2010/main" val="361148163"/>
+      </p:ext>
+    </p:extLst>
   </p:cSld>
   <p:clrMapOvr>
     <a:masterClrMapping/>
